--- a/PowerPoint/themes/theme8/dotted.pptx
+++ b/PowerPoint/themes/theme8/dotted.pptx
@@ -4,10 +4,16 @@
   <p:sldMasterIdLst>
     <p:sldMasterId id="2147483648" r:id="rId1"/>
   </p:sldMasterIdLst>
+  <p:notesMasterIdLst>
+    <p:notesMasterId r:id="rId3"/>
+  </p:notesMasterIdLst>
+  <p:handoutMasterIdLst>
+    <p:handoutMasterId r:id="rId4"/>
+  </p:handoutMasterIdLst>
   <p:sldIdLst>
     <p:sldId id="256" r:id="rId2"/>
   </p:sldIdLst>
-  <p:sldSz cx="9144000" cy="6858000" type="screen4x3"/>
+  <p:sldSz cx="9144000" cy="5143500" type="screen16x9"/>
   <p:notesSz cx="6858000" cy="9144000"/>
   <p:defaultTextStyle>
     <a:defPPr>
@@ -107,6 +113,610 @@
 </p:presentation>
 </file>
 
+<file path=ppt/handoutMasters/handoutMaster1.xml><?xml version="1.0" encoding="utf-8"?>
+<p:handoutMaster xmlns:a="http://schemas.openxmlformats.org/drawingml/2006/main" xmlns:r="http://schemas.openxmlformats.org/officeDocument/2006/relationships" xmlns:p="http://schemas.openxmlformats.org/presentationml/2006/main">
+  <p:cSld>
+    <p:bg>
+      <p:bgRef idx="1001">
+        <a:schemeClr val="bg1"/>
+      </p:bgRef>
+    </p:bg>
+    <p:spTree>
+      <p:nvGrpSpPr>
+        <p:cNvPr id="1" name=""/>
+        <p:cNvGrpSpPr/>
+        <p:nvPr/>
+      </p:nvGrpSpPr>
+      <p:grpSpPr>
+        <a:xfrm>
+          <a:off x="0" y="0"/>
+          <a:ext cx="0" cy="0"/>
+          <a:chOff x="0" y="0"/>
+          <a:chExt cx="0" cy="0"/>
+        </a:xfrm>
+      </p:grpSpPr>
+      <p:sp>
+        <p:nvSpPr>
+          <p:cNvPr id="2" name="Верхний колонтитул 1"/>
+          <p:cNvSpPr>
+            <a:spLocks noGrp="1"/>
+          </p:cNvSpPr>
+          <p:nvPr>
+            <p:ph type="hdr" sz="quarter"/>
+          </p:nvPr>
+        </p:nvSpPr>
+        <p:spPr>
+          <a:xfrm>
+            <a:off x="0" y="0"/>
+            <a:ext cx="2971800" cy="457200"/>
+          </a:xfrm>
+          <a:prstGeom prst="rect">
+            <a:avLst/>
+          </a:prstGeom>
+        </p:spPr>
+        <p:txBody>
+          <a:bodyPr vert="horz" lIns="91440" tIns="45720" rIns="91440" bIns="45720" rtlCol="0"/>
+          <a:lstStyle>
+            <a:lvl1pPr algn="l">
+              <a:defRPr sz="1200"/>
+            </a:lvl1pPr>
+          </a:lstStyle>
+          <a:p>
+            <a:endParaRPr lang="ru-RU"/>
+          </a:p>
+        </p:txBody>
+      </p:sp>
+      <p:sp>
+        <p:nvSpPr>
+          <p:cNvPr id="3" name="Дата 2"/>
+          <p:cNvSpPr>
+            <a:spLocks noGrp="1"/>
+          </p:cNvSpPr>
+          <p:nvPr>
+            <p:ph type="dt" sz="quarter" idx="1"/>
+          </p:nvPr>
+        </p:nvSpPr>
+        <p:spPr>
+          <a:xfrm>
+            <a:off x="3884613" y="0"/>
+            <a:ext cx="2971800" cy="457200"/>
+          </a:xfrm>
+          <a:prstGeom prst="rect">
+            <a:avLst/>
+          </a:prstGeom>
+        </p:spPr>
+        <p:txBody>
+          <a:bodyPr vert="horz" lIns="91440" tIns="45720" rIns="91440" bIns="45720" rtlCol="0"/>
+          <a:lstStyle>
+            <a:lvl1pPr algn="r">
+              <a:defRPr sz="1200"/>
+            </a:lvl1pPr>
+          </a:lstStyle>
+          <a:p>
+            <a:fld id="{E9627F03-B961-443E-89D9-26A2F305AC2A}" type="datetimeFigureOut">
+              <a:rPr lang="ru-RU" smtClean="0"/>
+              <a:t>22.10.2013</a:t>
+            </a:fld>
+            <a:endParaRPr lang="ru-RU"/>
+          </a:p>
+        </p:txBody>
+      </p:sp>
+      <p:sp>
+        <p:nvSpPr>
+          <p:cNvPr id="4" name="Нижний колонтитул 3"/>
+          <p:cNvSpPr>
+            <a:spLocks noGrp="1"/>
+          </p:cNvSpPr>
+          <p:nvPr>
+            <p:ph type="ftr" sz="quarter" idx="2"/>
+          </p:nvPr>
+        </p:nvSpPr>
+        <p:spPr>
+          <a:xfrm>
+            <a:off x="0" y="8685213"/>
+            <a:ext cx="2971800" cy="457200"/>
+          </a:xfrm>
+          <a:prstGeom prst="rect">
+            <a:avLst/>
+          </a:prstGeom>
+        </p:spPr>
+        <p:txBody>
+          <a:bodyPr vert="horz" lIns="91440" tIns="45720" rIns="91440" bIns="45720" rtlCol="0" anchor="b"/>
+          <a:lstStyle>
+            <a:lvl1pPr algn="l">
+              <a:defRPr sz="1200"/>
+            </a:lvl1pPr>
+          </a:lstStyle>
+          <a:p>
+            <a:endParaRPr lang="ru-RU"/>
+          </a:p>
+        </p:txBody>
+      </p:sp>
+      <p:sp>
+        <p:nvSpPr>
+          <p:cNvPr id="5" name="Номер слайда 4"/>
+          <p:cNvSpPr>
+            <a:spLocks noGrp="1"/>
+          </p:cNvSpPr>
+          <p:nvPr>
+            <p:ph type="sldNum" sz="quarter" idx="3"/>
+          </p:nvPr>
+        </p:nvSpPr>
+        <p:spPr>
+          <a:xfrm>
+            <a:off x="3884613" y="8685213"/>
+            <a:ext cx="2971800" cy="457200"/>
+          </a:xfrm>
+          <a:prstGeom prst="rect">
+            <a:avLst/>
+          </a:prstGeom>
+        </p:spPr>
+        <p:txBody>
+          <a:bodyPr vert="horz" lIns="91440" tIns="45720" rIns="91440" bIns="45720" rtlCol="0" anchor="b"/>
+          <a:lstStyle>
+            <a:lvl1pPr algn="r">
+              <a:defRPr sz="1200"/>
+            </a:lvl1pPr>
+          </a:lstStyle>
+          <a:p>
+            <a:fld id="{6A54AA84-9414-4CBA-AAA6-69B56C449880}" type="slidenum">
+              <a:rPr lang="ru-RU" smtClean="0"/>
+              <a:t>‹#›</a:t>
+            </a:fld>
+            <a:endParaRPr lang="ru-RU"/>
+          </a:p>
+        </p:txBody>
+      </p:sp>
+    </p:spTree>
+    <p:extLst>
+      <p:ext uri="{BB962C8B-B14F-4D97-AF65-F5344CB8AC3E}">
+        <p14:creationId xmlns:p14="http://schemas.microsoft.com/office/powerpoint/2010/main" val="3458426727"/>
+      </p:ext>
+    </p:extLst>
+  </p:cSld>
+  <p:clrMap bg1="lt1" tx1="dk1" bg2="lt2" tx2="dk2" accent1="accent1" accent2="accent2" accent3="accent3" accent4="accent4" accent5="accent5" accent6="accent6" hlink="hlink" folHlink="folHlink"/>
+</p:handoutMaster>
+</file>
+
+<file path=ppt/notesMasters/notesMaster1.xml><?xml version="1.0" encoding="utf-8"?>
+<p:notesMaster xmlns:a="http://schemas.openxmlformats.org/drawingml/2006/main" xmlns:r="http://schemas.openxmlformats.org/officeDocument/2006/relationships" xmlns:p="http://schemas.openxmlformats.org/presentationml/2006/main">
+  <p:cSld>
+    <p:bg>
+      <p:bgRef idx="1001">
+        <a:schemeClr val="bg1"/>
+      </p:bgRef>
+    </p:bg>
+    <p:spTree>
+      <p:nvGrpSpPr>
+        <p:cNvPr id="1" name=""/>
+        <p:cNvGrpSpPr/>
+        <p:nvPr/>
+      </p:nvGrpSpPr>
+      <p:grpSpPr>
+        <a:xfrm>
+          <a:off x="0" y="0"/>
+          <a:ext cx="0" cy="0"/>
+          <a:chOff x="0" y="0"/>
+          <a:chExt cx="0" cy="0"/>
+        </a:xfrm>
+      </p:grpSpPr>
+      <p:sp>
+        <p:nvSpPr>
+          <p:cNvPr id="2" name="Верхний колонтитул 1"/>
+          <p:cNvSpPr>
+            <a:spLocks noGrp="1"/>
+          </p:cNvSpPr>
+          <p:nvPr>
+            <p:ph type="hdr" sz="quarter"/>
+          </p:nvPr>
+        </p:nvSpPr>
+        <p:spPr>
+          <a:xfrm>
+            <a:off x="0" y="0"/>
+            <a:ext cx="2971800" cy="457200"/>
+          </a:xfrm>
+          <a:prstGeom prst="rect">
+            <a:avLst/>
+          </a:prstGeom>
+        </p:spPr>
+        <p:txBody>
+          <a:bodyPr vert="horz" lIns="91440" tIns="45720" rIns="91440" bIns="45720" rtlCol="0"/>
+          <a:lstStyle>
+            <a:lvl1pPr algn="l">
+              <a:defRPr sz="1200"/>
+            </a:lvl1pPr>
+          </a:lstStyle>
+          <a:p>
+            <a:endParaRPr lang="ru-RU"/>
+          </a:p>
+        </p:txBody>
+      </p:sp>
+      <p:sp>
+        <p:nvSpPr>
+          <p:cNvPr id="3" name="Дата 2"/>
+          <p:cNvSpPr>
+            <a:spLocks noGrp="1"/>
+          </p:cNvSpPr>
+          <p:nvPr>
+            <p:ph type="dt" idx="1"/>
+          </p:nvPr>
+        </p:nvSpPr>
+        <p:spPr>
+          <a:xfrm>
+            <a:off x="3884613" y="0"/>
+            <a:ext cx="2971800" cy="457200"/>
+          </a:xfrm>
+          <a:prstGeom prst="rect">
+            <a:avLst/>
+          </a:prstGeom>
+        </p:spPr>
+        <p:txBody>
+          <a:bodyPr vert="horz" lIns="91440" tIns="45720" rIns="91440" bIns="45720" rtlCol="0"/>
+          <a:lstStyle>
+            <a:lvl1pPr algn="r">
+              <a:defRPr sz="1200"/>
+            </a:lvl1pPr>
+          </a:lstStyle>
+          <a:p>
+            <a:fld id="{5F320A76-E120-4F55-9191-01A1CF2B0A52}" type="datetimeFigureOut">
+              <a:rPr lang="ru-RU" smtClean="0"/>
+              <a:t>22.10.2013</a:t>
+            </a:fld>
+            <a:endParaRPr lang="ru-RU"/>
+          </a:p>
+        </p:txBody>
+      </p:sp>
+      <p:sp>
+        <p:nvSpPr>
+          <p:cNvPr id="4" name="Образ слайда 3"/>
+          <p:cNvSpPr>
+            <a:spLocks noGrp="1" noRot="1" noChangeAspect="1"/>
+          </p:cNvSpPr>
+          <p:nvPr>
+            <p:ph type="sldImg" idx="2"/>
+          </p:nvPr>
+        </p:nvSpPr>
+        <p:spPr>
+          <a:xfrm>
+            <a:off x="381000" y="685800"/>
+            <a:ext cx="6096000" cy="3429000"/>
+          </a:xfrm>
+          <a:prstGeom prst="rect">
+            <a:avLst/>
+          </a:prstGeom>
+          <a:noFill/>
+          <a:ln w="12700">
+            <a:solidFill>
+              <a:prstClr val="black"/>
+            </a:solidFill>
+          </a:ln>
+        </p:spPr>
+        <p:txBody>
+          <a:bodyPr vert="horz" lIns="91440" tIns="45720" rIns="91440" bIns="45720" rtlCol="0" anchor="ctr"/>
+          <a:lstStyle/>
+          <a:p>
+            <a:endParaRPr lang="ru-RU"/>
+          </a:p>
+        </p:txBody>
+      </p:sp>
+      <p:sp>
+        <p:nvSpPr>
+          <p:cNvPr id="5" name="Заметки 4"/>
+          <p:cNvSpPr>
+            <a:spLocks noGrp="1"/>
+          </p:cNvSpPr>
+          <p:nvPr>
+            <p:ph type="body" sz="quarter" idx="3"/>
+          </p:nvPr>
+        </p:nvSpPr>
+        <p:spPr>
+          <a:xfrm>
+            <a:off x="685800" y="4343400"/>
+            <a:ext cx="5486400" cy="4114800"/>
+          </a:xfrm>
+          <a:prstGeom prst="rect">
+            <a:avLst/>
+          </a:prstGeom>
+        </p:spPr>
+        <p:txBody>
+          <a:bodyPr vert="horz" lIns="91440" tIns="45720" rIns="91440" bIns="45720" rtlCol="0"/>
+          <a:lstStyle/>
+          <a:p>
+            <a:pPr lvl="0"/>
+            <a:r>
+              <a:rPr lang="ru-RU" smtClean="0"/>
+              <a:t>Образец текста</a:t>
+            </a:r>
+          </a:p>
+          <a:p>
+            <a:pPr lvl="1"/>
+            <a:r>
+              <a:rPr lang="ru-RU" smtClean="0"/>
+              <a:t>Второй уровень</a:t>
+            </a:r>
+          </a:p>
+          <a:p>
+            <a:pPr lvl="2"/>
+            <a:r>
+              <a:rPr lang="ru-RU" smtClean="0"/>
+              <a:t>Третий уровень</a:t>
+            </a:r>
+          </a:p>
+          <a:p>
+            <a:pPr lvl="3"/>
+            <a:r>
+              <a:rPr lang="ru-RU" smtClean="0"/>
+              <a:t>Четвертый уровень</a:t>
+            </a:r>
+          </a:p>
+          <a:p>
+            <a:pPr lvl="4"/>
+            <a:r>
+              <a:rPr lang="ru-RU" smtClean="0"/>
+              <a:t>Пятый уровень</a:t>
+            </a:r>
+            <a:endParaRPr lang="ru-RU"/>
+          </a:p>
+        </p:txBody>
+      </p:sp>
+      <p:sp>
+        <p:nvSpPr>
+          <p:cNvPr id="6" name="Нижний колонтитул 5"/>
+          <p:cNvSpPr>
+            <a:spLocks noGrp="1"/>
+          </p:cNvSpPr>
+          <p:nvPr>
+            <p:ph type="ftr" sz="quarter" idx="4"/>
+          </p:nvPr>
+        </p:nvSpPr>
+        <p:spPr>
+          <a:xfrm>
+            <a:off x="0" y="8685213"/>
+            <a:ext cx="2971800" cy="457200"/>
+          </a:xfrm>
+          <a:prstGeom prst="rect">
+            <a:avLst/>
+          </a:prstGeom>
+        </p:spPr>
+        <p:txBody>
+          <a:bodyPr vert="horz" lIns="91440" tIns="45720" rIns="91440" bIns="45720" rtlCol="0" anchor="b"/>
+          <a:lstStyle>
+            <a:lvl1pPr algn="l">
+              <a:defRPr sz="1200"/>
+            </a:lvl1pPr>
+          </a:lstStyle>
+          <a:p>
+            <a:endParaRPr lang="ru-RU"/>
+          </a:p>
+        </p:txBody>
+      </p:sp>
+      <p:sp>
+        <p:nvSpPr>
+          <p:cNvPr id="7" name="Номер слайда 6"/>
+          <p:cNvSpPr>
+            <a:spLocks noGrp="1"/>
+          </p:cNvSpPr>
+          <p:nvPr>
+            <p:ph type="sldNum" sz="quarter" idx="5"/>
+          </p:nvPr>
+        </p:nvSpPr>
+        <p:spPr>
+          <a:xfrm>
+            <a:off x="3884613" y="8685213"/>
+            <a:ext cx="2971800" cy="457200"/>
+          </a:xfrm>
+          <a:prstGeom prst="rect">
+            <a:avLst/>
+          </a:prstGeom>
+        </p:spPr>
+        <p:txBody>
+          <a:bodyPr vert="horz" lIns="91440" tIns="45720" rIns="91440" bIns="45720" rtlCol="0" anchor="b"/>
+          <a:lstStyle>
+            <a:lvl1pPr algn="r">
+              <a:defRPr sz="1200"/>
+            </a:lvl1pPr>
+          </a:lstStyle>
+          <a:p>
+            <a:fld id="{608A79C3-D7DF-4221-9947-F710CA054124}" type="slidenum">
+              <a:rPr lang="ru-RU" smtClean="0"/>
+              <a:t>‹#›</a:t>
+            </a:fld>
+            <a:endParaRPr lang="ru-RU"/>
+          </a:p>
+        </p:txBody>
+      </p:sp>
+    </p:spTree>
+    <p:extLst>
+      <p:ext uri="{BB962C8B-B14F-4D97-AF65-F5344CB8AC3E}">
+        <p14:creationId xmlns:p14="http://schemas.microsoft.com/office/powerpoint/2010/main" val="3094881123"/>
+      </p:ext>
+    </p:extLst>
+  </p:cSld>
+  <p:clrMap bg1="lt1" tx1="dk1" bg2="lt2" tx2="dk2" accent1="accent1" accent2="accent2" accent3="accent3" accent4="accent4" accent5="accent5" accent6="accent6" hlink="hlink" folHlink="folHlink"/>
+  <p:notesStyle>
+    <a:lvl1pPr marL="0" algn="l" defTabSz="914400" rtl="0" eaLnBrk="1" latinLnBrk="0" hangingPunct="1">
+      <a:defRPr sz="1200" kern="1200">
+        <a:solidFill>
+          <a:schemeClr val="tx1"/>
+        </a:solidFill>
+        <a:latin typeface="+mn-lt"/>
+        <a:ea typeface="+mn-ea"/>
+        <a:cs typeface="+mn-cs"/>
+      </a:defRPr>
+    </a:lvl1pPr>
+    <a:lvl2pPr marL="457200" algn="l" defTabSz="914400" rtl="0" eaLnBrk="1" latinLnBrk="0" hangingPunct="1">
+      <a:defRPr sz="1200" kern="1200">
+        <a:solidFill>
+          <a:schemeClr val="tx1"/>
+        </a:solidFill>
+        <a:latin typeface="+mn-lt"/>
+        <a:ea typeface="+mn-ea"/>
+        <a:cs typeface="+mn-cs"/>
+      </a:defRPr>
+    </a:lvl2pPr>
+    <a:lvl3pPr marL="914400" algn="l" defTabSz="914400" rtl="0" eaLnBrk="1" latinLnBrk="0" hangingPunct="1">
+      <a:defRPr sz="1200" kern="1200">
+        <a:solidFill>
+          <a:schemeClr val="tx1"/>
+        </a:solidFill>
+        <a:latin typeface="+mn-lt"/>
+        <a:ea typeface="+mn-ea"/>
+        <a:cs typeface="+mn-cs"/>
+      </a:defRPr>
+    </a:lvl3pPr>
+    <a:lvl4pPr marL="1371600" algn="l" defTabSz="914400" rtl="0" eaLnBrk="1" latinLnBrk="0" hangingPunct="1">
+      <a:defRPr sz="1200" kern="1200">
+        <a:solidFill>
+          <a:schemeClr val="tx1"/>
+        </a:solidFill>
+        <a:latin typeface="+mn-lt"/>
+        <a:ea typeface="+mn-ea"/>
+        <a:cs typeface="+mn-cs"/>
+      </a:defRPr>
+    </a:lvl4pPr>
+    <a:lvl5pPr marL="1828800" algn="l" defTabSz="914400" rtl="0" eaLnBrk="1" latinLnBrk="0" hangingPunct="1">
+      <a:defRPr sz="1200" kern="1200">
+        <a:solidFill>
+          <a:schemeClr val="tx1"/>
+        </a:solidFill>
+        <a:latin typeface="+mn-lt"/>
+        <a:ea typeface="+mn-ea"/>
+        <a:cs typeface="+mn-cs"/>
+      </a:defRPr>
+    </a:lvl5pPr>
+    <a:lvl6pPr marL="2286000" algn="l" defTabSz="914400" rtl="0" eaLnBrk="1" latinLnBrk="0" hangingPunct="1">
+      <a:defRPr sz="1200" kern="1200">
+        <a:solidFill>
+          <a:schemeClr val="tx1"/>
+        </a:solidFill>
+        <a:latin typeface="+mn-lt"/>
+        <a:ea typeface="+mn-ea"/>
+        <a:cs typeface="+mn-cs"/>
+      </a:defRPr>
+    </a:lvl6pPr>
+    <a:lvl7pPr marL="2743200" algn="l" defTabSz="914400" rtl="0" eaLnBrk="1" latinLnBrk="0" hangingPunct="1">
+      <a:defRPr sz="1200" kern="1200">
+        <a:solidFill>
+          <a:schemeClr val="tx1"/>
+        </a:solidFill>
+        <a:latin typeface="+mn-lt"/>
+        <a:ea typeface="+mn-ea"/>
+        <a:cs typeface="+mn-cs"/>
+      </a:defRPr>
+    </a:lvl7pPr>
+    <a:lvl8pPr marL="3200400" algn="l" defTabSz="914400" rtl="0" eaLnBrk="1" latinLnBrk="0" hangingPunct="1">
+      <a:defRPr sz="1200" kern="1200">
+        <a:solidFill>
+          <a:schemeClr val="tx1"/>
+        </a:solidFill>
+        <a:latin typeface="+mn-lt"/>
+        <a:ea typeface="+mn-ea"/>
+        <a:cs typeface="+mn-cs"/>
+      </a:defRPr>
+    </a:lvl8pPr>
+    <a:lvl9pPr marL="3657600" algn="l" defTabSz="914400" rtl="0" eaLnBrk="1" latinLnBrk="0" hangingPunct="1">
+      <a:defRPr sz="1200" kern="1200">
+        <a:solidFill>
+          <a:schemeClr val="tx1"/>
+        </a:solidFill>
+        <a:latin typeface="+mn-lt"/>
+        <a:ea typeface="+mn-ea"/>
+        <a:cs typeface="+mn-cs"/>
+      </a:defRPr>
+    </a:lvl9pPr>
+  </p:notesStyle>
+</p:notesMaster>
+</file>
+
+<file path=ppt/notesSlides/notesSlide1.xml><?xml version="1.0" encoding="utf-8"?>
+<p:notes xmlns:a="http://schemas.openxmlformats.org/drawingml/2006/main" xmlns:r="http://schemas.openxmlformats.org/officeDocument/2006/relationships" xmlns:p="http://schemas.openxmlformats.org/presentationml/2006/main">
+  <p:cSld>
+    <p:spTree>
+      <p:nvGrpSpPr>
+        <p:cNvPr id="1" name=""/>
+        <p:cNvGrpSpPr/>
+        <p:nvPr/>
+      </p:nvGrpSpPr>
+      <p:grpSpPr>
+        <a:xfrm>
+          <a:off x="0" y="0"/>
+          <a:ext cx="0" cy="0"/>
+          <a:chOff x="0" y="0"/>
+          <a:chExt cx="0" cy="0"/>
+        </a:xfrm>
+      </p:grpSpPr>
+      <p:sp>
+        <p:nvSpPr>
+          <p:cNvPr id="2" name="Образ слайда 1"/>
+          <p:cNvSpPr>
+            <a:spLocks noGrp="1" noRot="1" noChangeAspect="1"/>
+          </p:cNvSpPr>
+          <p:nvPr>
+            <p:ph type="sldImg"/>
+          </p:nvPr>
+        </p:nvSpPr>
+        <p:spPr>
+          <a:xfrm>
+            <a:off x="381000" y="685800"/>
+            <a:ext cx="6096000" cy="3429000"/>
+          </a:xfrm>
+        </p:spPr>
+      </p:sp>
+      <p:sp>
+        <p:nvSpPr>
+          <p:cNvPr id="3" name="Заметки 2"/>
+          <p:cNvSpPr>
+            <a:spLocks noGrp="1"/>
+          </p:cNvSpPr>
+          <p:nvPr>
+            <p:ph type="body" idx="1"/>
+          </p:nvPr>
+        </p:nvSpPr>
+        <p:spPr/>
+        <p:txBody>
+          <a:bodyPr/>
+          <a:lstStyle/>
+          <a:p>
+            <a:endParaRPr lang="ru-RU" dirty="0"/>
+          </a:p>
+        </p:txBody>
+      </p:sp>
+      <p:sp>
+        <p:nvSpPr>
+          <p:cNvPr id="4" name="Номер слайда 3"/>
+          <p:cNvSpPr>
+            <a:spLocks noGrp="1"/>
+          </p:cNvSpPr>
+          <p:nvPr>
+            <p:ph type="sldNum" sz="quarter" idx="10"/>
+          </p:nvPr>
+        </p:nvSpPr>
+        <p:spPr/>
+        <p:txBody>
+          <a:bodyPr/>
+          <a:lstStyle/>
+          <a:p>
+            <a:fld id="{608A79C3-D7DF-4221-9947-F710CA054124}" type="slidenum">
+              <a:rPr lang="ru-RU" smtClean="0"/>
+              <a:t>1</a:t>
+            </a:fld>
+            <a:endParaRPr lang="ru-RU"/>
+          </a:p>
+        </p:txBody>
+      </p:sp>
+    </p:spTree>
+    <p:extLst>
+      <p:ext uri="{BB962C8B-B14F-4D97-AF65-F5344CB8AC3E}">
+        <p14:creationId xmlns:p14="http://schemas.microsoft.com/office/powerpoint/2010/main" val="2317966762"/>
+      </p:ext>
+    </p:extLst>
+  </p:cSld>
+  <p:clrMapOvr>
+    <a:masterClrMapping/>
+  </p:clrMapOvr>
+</p:notes>
+</file>
+
 <file path=ppt/slideLayouts/slideLayout1.xml><?xml version="1.0" encoding="utf-8"?>
 <p:sldLayout xmlns:a="http://schemas.openxmlformats.org/drawingml/2006/main" xmlns:r="http://schemas.openxmlformats.org/officeDocument/2006/relationships" xmlns:p="http://schemas.openxmlformats.org/presentationml/2006/main" type="title" preserve="1" userDrawn="1">
   <p:cSld name="Титульный слайд">
@@ -136,8 +746,8 @@
         </p:nvSpPr>
         <p:spPr>
           <a:xfrm>
-            <a:off x="1371600" y="4194085"/>
-            <a:ext cx="6400800" cy="900100"/>
+            <a:off x="1371600" y="4225684"/>
+            <a:ext cx="6400800" cy="506306"/>
           </a:xfrm>
         </p:spPr>
         <p:txBody>
@@ -251,8 +861,8 @@
         </p:nvSpPr>
         <p:spPr>
           <a:xfrm>
-            <a:off x="2008" y="5391761"/>
-            <a:ext cx="9144000" cy="152474"/>
+            <a:off x="2008" y="4043821"/>
+            <a:ext cx="9144000" cy="114356"/>
           </a:xfrm>
           <a:custGeom>
             <a:avLst/>
@@ -310,8 +920,8 @@
         </p:nvSpPr>
         <p:spPr>
           <a:xfrm>
-            <a:off x="0" y="5544358"/>
-            <a:ext cx="9144000" cy="38000"/>
+            <a:off x="0" y="4158269"/>
+            <a:ext cx="9144000" cy="28500"/>
           </a:xfrm>
           <a:custGeom>
             <a:avLst/>
@@ -371,8 +981,8 @@
         </p:nvSpPr>
         <p:spPr>
           <a:xfrm>
-            <a:off x="1376644" y="2753925"/>
-            <a:ext cx="6435715" cy="1143000"/>
+            <a:off x="1354144" y="3165911"/>
+            <a:ext cx="6435715" cy="857250"/>
           </a:xfrm>
         </p:spPr>
         <p:txBody>
@@ -412,7 +1022,7 @@
           <a:p>
             <a:fld id="{64DD35C3-21A0-4EF9-918E-2D5226C340E0}" type="datetimeFigureOut">
               <a:rPr lang="ru-RU" smtClean="0"/>
-              <a:t>04.12.2012</a:t>
+              <a:t>22.10.2013</a:t>
             </a:fld>
             <a:endParaRPr lang="ru-RU"/>
           </a:p>
@@ -626,7 +1236,7 @@
           <a:p>
             <a:fld id="{64DD35C3-21A0-4EF9-918E-2D5226C340E0}" type="datetimeFigureOut">
               <a:rPr lang="ru-RU" smtClean="0"/>
-              <a:t>04.12.2012</a:t>
+              <a:t>22.10.2013</a:t>
             </a:fld>
             <a:endParaRPr lang="ru-RU"/>
           </a:p>
@@ -716,8 +1326,8 @@
         </p:nvSpPr>
         <p:spPr>
           <a:xfrm>
-            <a:off x="6629400" y="274638"/>
-            <a:ext cx="2057400" cy="5851525"/>
+            <a:off x="7272300" y="205978"/>
+            <a:ext cx="1414500" cy="3715922"/>
           </a:xfrm>
         </p:spPr>
         <p:txBody>
@@ -752,8 +1362,8 @@
         </p:nvSpPr>
         <p:spPr>
           <a:xfrm>
-            <a:off x="457200" y="274638"/>
-            <a:ext cx="6019800" cy="5851525"/>
+            <a:off x="457200" y="205978"/>
+            <a:ext cx="6635080" cy="3715922"/>
           </a:xfrm>
         </p:spPr>
         <p:txBody>
@@ -850,7 +1460,7 @@
           <a:p>
             <a:fld id="{64DD35C3-21A0-4EF9-918E-2D5226C340E0}" type="datetimeFigureOut">
               <a:rPr lang="ru-RU" smtClean="0"/>
-              <a:t>04.12.2012</a:t>
+              <a:t>22.10.2013</a:t>
             </a:fld>
             <a:endParaRPr lang="ru-RU"/>
           </a:p>
@@ -1033,7 +1643,7 @@
           <a:p>
             <a:fld id="{64DD35C3-21A0-4EF9-918E-2D5226C340E0}" type="datetimeFigureOut">
               <a:rPr lang="ru-RU" smtClean="0"/>
-              <a:t>04.12.2012</a:t>
+              <a:t>22.10.2013</a:t>
             </a:fld>
             <a:endParaRPr lang="ru-RU"/>
           </a:p>
@@ -1146,14 +1756,14 @@
         </p:nvSpPr>
         <p:spPr>
           <a:xfrm>
-            <a:off x="722313" y="4406900"/>
-            <a:ext cx="7772400" cy="1362075"/>
+            <a:off x="685800" y="4056916"/>
+            <a:ext cx="7772400" cy="641321"/>
           </a:xfrm>
         </p:spPr>
         <p:txBody>
           <a:bodyPr anchor="t"/>
           <a:lstStyle>
-            <a:lvl1pPr algn="l">
+            <a:lvl1pPr algn="ctr">
               <a:defRPr sz="4000" b="1" cap="all">
                 <a:solidFill>
                   <a:schemeClr val="bg1"/>
@@ -1182,8 +1792,8 @@
         </p:nvSpPr>
         <p:spPr>
           <a:xfrm>
-            <a:off x="722313" y="2906713"/>
-            <a:ext cx="7772400" cy="1500187"/>
+            <a:off x="685800" y="2875534"/>
+            <a:ext cx="7772400" cy="1125140"/>
           </a:xfrm>
         </p:spPr>
         <p:txBody>
@@ -1304,7 +1914,7 @@
           <a:p>
             <a:fld id="{64DD35C3-21A0-4EF9-918E-2D5226C340E0}" type="datetimeFigureOut">
               <a:rPr lang="ru-RU" smtClean="0"/>
-              <a:t>04.12.2012</a:t>
+              <a:t>22.10.2013</a:t>
             </a:fld>
             <a:endParaRPr lang="ru-RU"/>
           </a:p>
@@ -1394,8 +2004,8 @@
         </p:nvSpPr>
         <p:spPr>
           <a:xfrm>
-            <a:off x="457200" y="1600200"/>
-            <a:ext cx="4038600" cy="4525963"/>
+            <a:off x="431540" y="377757"/>
+            <a:ext cx="4038600" cy="3394472"/>
           </a:xfrm>
         </p:spPr>
         <p:txBody>
@@ -1499,8 +2109,8 @@
         </p:nvSpPr>
         <p:spPr>
           <a:xfrm>
-            <a:off x="4648200" y="1600200"/>
-            <a:ext cx="4038600" cy="4525963"/>
+            <a:off x="4662010" y="377757"/>
+            <a:ext cx="4038600" cy="3394472"/>
           </a:xfrm>
         </p:spPr>
         <p:txBody>
@@ -1632,7 +2242,7 @@
           <a:p>
             <a:fld id="{64DD35C3-21A0-4EF9-918E-2D5226C340E0}" type="datetimeFigureOut">
               <a:rPr lang="ru-RU" smtClean="0"/>
-              <a:t>04.12.2012</a:t>
+              <a:t>22.10.2013</a:t>
             </a:fld>
             <a:endParaRPr lang="ru-RU"/>
           </a:p>
@@ -1753,8 +2363,8 @@
         </p:nvSpPr>
         <p:spPr>
           <a:xfrm>
-            <a:off x="457200" y="1535113"/>
-            <a:ext cx="4040188" cy="639762"/>
+            <a:off x="457200" y="309844"/>
+            <a:ext cx="4040188" cy="479822"/>
           </a:xfrm>
         </p:spPr>
         <p:txBody>
@@ -1822,8 +2432,8 @@
         </p:nvSpPr>
         <p:spPr>
           <a:xfrm>
-            <a:off x="457200" y="2174875"/>
-            <a:ext cx="4040188" cy="3951288"/>
+            <a:off x="457200" y="789665"/>
+            <a:ext cx="4040188" cy="2963466"/>
           </a:xfrm>
         </p:spPr>
         <p:txBody>
@@ -1927,8 +2537,8 @@
         </p:nvSpPr>
         <p:spPr>
           <a:xfrm>
-            <a:off x="4645025" y="1535113"/>
-            <a:ext cx="4041775" cy="639762"/>
+            <a:off x="4645026" y="309844"/>
+            <a:ext cx="4041775" cy="479822"/>
           </a:xfrm>
         </p:spPr>
         <p:txBody>
@@ -1996,8 +2606,8 @@
         </p:nvSpPr>
         <p:spPr>
           <a:xfrm>
-            <a:off x="4645025" y="2174875"/>
-            <a:ext cx="4041775" cy="3951288"/>
+            <a:off x="4645026" y="789665"/>
+            <a:ext cx="4041775" cy="2963466"/>
           </a:xfrm>
         </p:spPr>
         <p:txBody>
@@ -2106,7 +2716,7 @@
           <a:p>
             <a:fld id="{64DD35C3-21A0-4EF9-918E-2D5226C340E0}" type="datetimeFigureOut">
               <a:rPr lang="ru-RU" smtClean="0"/>
-              <a:t>04.12.2012</a:t>
+              <a:t>22.10.2013</a:t>
             </a:fld>
             <a:endParaRPr lang="ru-RU"/>
           </a:p>
@@ -2232,7 +2842,7 @@
           <a:p>
             <a:fld id="{64DD35C3-21A0-4EF9-918E-2D5226C340E0}" type="datetimeFigureOut">
               <a:rPr lang="ru-RU" smtClean="0"/>
-              <a:t>04.12.2012</a:t>
+              <a:t>22.10.2013</a:t>
             </a:fld>
             <a:endParaRPr lang="ru-RU"/>
           </a:p>
@@ -2327,7 +2937,7 @@
           <a:p>
             <a:fld id="{64DD35C3-21A0-4EF9-918E-2D5226C340E0}" type="datetimeFigureOut">
               <a:rPr lang="ru-RU" smtClean="0"/>
-              <a:t>04.12.2012</a:t>
+              <a:t>22.10.2013</a:t>
             </a:fld>
             <a:endParaRPr lang="ru-RU"/>
           </a:p>
@@ -2417,15 +3027,17 @@
         </p:nvSpPr>
         <p:spPr>
           <a:xfrm>
-            <a:off x="457200" y="273050"/>
-            <a:ext cx="3008313" cy="1162050"/>
+            <a:off x="454044" y="4023161"/>
+            <a:ext cx="8235915" cy="635261"/>
           </a:xfrm>
         </p:spPr>
         <p:txBody>
-          <a:bodyPr anchor="b"/>
+          <a:bodyPr anchor="b">
+            <a:normAutofit/>
+          </a:bodyPr>
           <a:lstStyle>
-            <a:lvl1pPr algn="l">
-              <a:defRPr sz="2000" b="1">
+            <a:lvl1pPr algn="ctr">
+              <a:defRPr sz="4400" b="1">
                 <a:solidFill>
                   <a:schemeClr val="bg1"/>
                 </a:solidFill>
@@ -2453,8 +3065,8 @@
         </p:nvSpPr>
         <p:spPr>
           <a:xfrm>
-            <a:off x="3575050" y="273050"/>
-            <a:ext cx="5111750" cy="5853113"/>
+            <a:off x="3575050" y="208988"/>
+            <a:ext cx="5111750" cy="3679159"/>
           </a:xfrm>
         </p:spPr>
         <p:txBody>
@@ -2558,8 +3170,8 @@
         </p:nvSpPr>
         <p:spPr>
           <a:xfrm>
-            <a:off x="457200" y="1435100"/>
-            <a:ext cx="3008313" cy="4691063"/>
+            <a:off x="457201" y="213183"/>
+            <a:ext cx="3008313" cy="3674964"/>
           </a:xfrm>
         </p:spPr>
         <p:txBody>
@@ -2632,7 +3244,7 @@
           <a:p>
             <a:fld id="{64DD35C3-21A0-4EF9-918E-2D5226C340E0}" type="datetimeFigureOut">
               <a:rPr lang="ru-RU" smtClean="0"/>
-              <a:t>04.12.2012</a:t>
+              <a:t>22.10.2013</a:t>
             </a:fld>
             <a:endParaRPr lang="ru-RU"/>
           </a:p>
@@ -2722,8 +3334,8 @@
         </p:nvSpPr>
         <p:spPr>
           <a:xfrm>
-            <a:off x="1792288" y="4800600"/>
-            <a:ext cx="5486400" cy="566738"/>
+            <a:off x="1792288" y="4056915"/>
+            <a:ext cx="5486400" cy="425054"/>
           </a:xfrm>
         </p:spPr>
         <p:txBody>
@@ -2758,8 +3370,8 @@
         </p:nvSpPr>
         <p:spPr>
           <a:xfrm>
-            <a:off x="1792288" y="612775"/>
-            <a:ext cx="5486400" cy="4114800"/>
+            <a:off x="1792288" y="459581"/>
+            <a:ext cx="5486400" cy="2956013"/>
           </a:xfrm>
         </p:spPr>
         <p:txBody>
@@ -2823,8 +3435,8 @@
         </p:nvSpPr>
         <p:spPr>
           <a:xfrm>
-            <a:off x="1792288" y="5367338"/>
-            <a:ext cx="5486400" cy="804862"/>
+            <a:off x="1792288" y="3419515"/>
+            <a:ext cx="5486400" cy="603647"/>
           </a:xfrm>
         </p:spPr>
         <p:txBody>
@@ -2897,7 +3509,7 @@
           <a:p>
             <a:fld id="{64DD35C3-21A0-4EF9-918E-2D5226C340E0}" type="datetimeFigureOut">
               <a:rPr lang="ru-RU" smtClean="0"/>
-              <a:t>04.12.2012</a:t>
+              <a:t>22.10.2013</a:t>
             </a:fld>
             <a:endParaRPr lang="ru-RU"/>
           </a:p>
@@ -2991,7 +3603,7 @@
         <p:spPr>
           <a:xfrm>
             <a:off x="0" y="0"/>
-            <a:ext cx="9144000" cy="6858000"/>
+            <a:ext cx="9144000" cy="5143500"/>
           </a:xfrm>
           <a:custGeom>
             <a:avLst/>
@@ -3019,12 +3631,20 @@
               </a:path>
             </a:pathLst>
           </a:custGeom>
-          <a:solidFill>
-            <a:schemeClr val="accent2">
-              <a:lumMod val="75000"/>
-              <a:alpha val="70000"/>
-            </a:schemeClr>
-          </a:solidFill>
+          <a:gradFill>
+            <a:gsLst>
+              <a:gs pos="44000">
+                <a:srgbClr val="2A6FAF"/>
+              </a:gs>
+              <a:gs pos="100000">
+                <a:srgbClr val="1F5FA0"/>
+              </a:gs>
+              <a:gs pos="0">
+                <a:srgbClr val="57B0ED"/>
+              </a:gs>
+            </a:gsLst>
+            <a:lin ang="5400000" scaled="0"/>
+          </a:gradFill>
           <a:ln w="9524">
             <a:solidFill>
               <a:srgbClr val="000000"/>
@@ -3045,8 +3665,8 @@
         </p:nvSpPr>
         <p:spPr>
           <a:xfrm>
-            <a:off x="0" y="5364214"/>
-            <a:ext cx="9144000" cy="1493785"/>
+            <a:off x="0" y="4023161"/>
+            <a:ext cx="9144000" cy="1120339"/>
           </a:xfrm>
           <a:custGeom>
             <a:avLst/>
@@ -3075,10 +3695,7 @@
             </a:pathLst>
           </a:custGeom>
           <a:solidFill>
-            <a:schemeClr val="accent2">
-              <a:lumMod val="75000"/>
-              <a:alpha val="70000"/>
-            </a:schemeClr>
+            <a:srgbClr val="1F5FA0"/>
           </a:solidFill>
           <a:ln w="9524">
             <a:solidFill>
@@ -3100,8 +3717,8 @@
         </p:nvSpPr>
         <p:spPr>
           <a:xfrm>
-            <a:off x="8746066" y="19316"/>
-            <a:ext cx="289771" cy="183825"/>
+            <a:off x="8746067" y="14487"/>
+            <a:ext cx="289771" cy="137869"/>
           </a:xfrm>
           <a:custGeom>
             <a:avLst/>
@@ -3271,8 +3888,8 @@
         </p:nvSpPr>
         <p:spPr>
           <a:xfrm>
-            <a:off x="8446558" y="62225"/>
-            <a:ext cx="300778" cy="196966"/>
+            <a:off x="8446558" y="46669"/>
+            <a:ext cx="300778" cy="147725"/>
           </a:xfrm>
           <a:custGeom>
             <a:avLst/>
@@ -3442,8 +4059,8 @@
         </p:nvSpPr>
         <p:spPr>
           <a:xfrm>
-            <a:off x="8109796" y="110041"/>
-            <a:ext cx="313689" cy="212325"/>
+            <a:off x="8109797" y="82531"/>
+            <a:ext cx="313689" cy="159244"/>
           </a:xfrm>
           <a:custGeom>
             <a:avLst/>
@@ -3613,8 +4230,8 @@
         </p:nvSpPr>
         <p:spPr>
           <a:xfrm>
-            <a:off x="8783108" y="346116"/>
-            <a:ext cx="332528" cy="231958"/>
+            <a:off x="8783108" y="259587"/>
+            <a:ext cx="332528" cy="173969"/>
           </a:xfrm>
           <a:custGeom>
             <a:avLst/>
@@ -3784,8 +4401,8 @@
         </p:nvSpPr>
         <p:spPr>
           <a:xfrm>
-            <a:off x="7727950" y="163875"/>
-            <a:ext cx="331258" cy="230216"/>
+            <a:off x="7727950" y="122906"/>
+            <a:ext cx="331258" cy="172662"/>
           </a:xfrm>
           <a:custGeom>
             <a:avLst/>
@@ -3955,8 +4572,8 @@
         </p:nvSpPr>
         <p:spPr>
           <a:xfrm>
-            <a:off x="8440843" y="416100"/>
-            <a:ext cx="347133" cy="252541"/>
+            <a:off x="8440844" y="312075"/>
+            <a:ext cx="347133" cy="189406"/>
           </a:xfrm>
           <a:custGeom>
             <a:avLst/>
@@ -4126,8 +4743,8 @@
         </p:nvSpPr>
         <p:spPr>
           <a:xfrm>
-            <a:off x="7291070" y="225150"/>
-            <a:ext cx="352848" cy="251116"/>
+            <a:off x="7291070" y="168863"/>
+            <a:ext cx="352848" cy="188337"/>
           </a:xfrm>
           <a:custGeom>
             <a:avLst/>
@@ -4297,8 +4914,8 @@
         </p:nvSpPr>
         <p:spPr>
           <a:xfrm>
-            <a:off x="8049048" y="495741"/>
-            <a:ext cx="364490" cy="276925"/>
+            <a:off x="8049048" y="371806"/>
+            <a:ext cx="364490" cy="207694"/>
           </a:xfrm>
           <a:custGeom>
             <a:avLst/>
@@ -4468,8 +5085,8 @@
         </p:nvSpPr>
         <p:spPr>
           <a:xfrm>
-            <a:off x="6027843" y="32141"/>
-            <a:ext cx="383751" cy="250800"/>
+            <a:off x="6027844" y="24106"/>
+            <a:ext cx="383751" cy="188100"/>
           </a:xfrm>
           <a:custGeom>
             <a:avLst/>
@@ -4639,8 +5256,8 @@
         </p:nvSpPr>
         <p:spPr>
           <a:xfrm>
-            <a:off x="6791960" y="294658"/>
-            <a:ext cx="380576" cy="275816"/>
+            <a:off x="6791960" y="220994"/>
+            <a:ext cx="380576" cy="206862"/>
           </a:xfrm>
           <a:custGeom>
             <a:avLst/>
@@ -4810,8 +5427,8 @@
         </p:nvSpPr>
         <p:spPr>
           <a:xfrm>
-            <a:off x="7593541" y="587100"/>
-            <a:ext cx="388831" cy="306691"/>
+            <a:off x="7593542" y="440326"/>
+            <a:ext cx="388831" cy="230018"/>
           </a:xfrm>
           <a:custGeom>
             <a:avLst/>
@@ -4981,8 +5598,8 @@
         </p:nvSpPr>
         <p:spPr>
           <a:xfrm>
-            <a:off x="8444230" y="902975"/>
-            <a:ext cx="411480" cy="342158"/>
+            <a:off x="8444230" y="677231"/>
+            <a:ext cx="411480" cy="256619"/>
           </a:xfrm>
           <a:custGeom>
             <a:avLst/>
@@ -5152,8 +5769,8 @@
         </p:nvSpPr>
         <p:spPr>
           <a:xfrm>
-            <a:off x="5392420" y="91041"/>
-            <a:ext cx="432223" cy="275975"/>
+            <a:off x="5392421" y="68281"/>
+            <a:ext cx="432223" cy="206981"/>
           </a:xfrm>
           <a:custGeom>
             <a:avLst/>
@@ -5323,8 +5940,8 @@
         </p:nvSpPr>
         <p:spPr>
           <a:xfrm>
-            <a:off x="6207336" y="375250"/>
-            <a:ext cx="417830" cy="305741"/>
+            <a:off x="6207336" y="281438"/>
+            <a:ext cx="417830" cy="229306"/>
           </a:xfrm>
           <a:custGeom>
             <a:avLst/>
@@ -5494,8 +6111,8 @@
         </p:nvSpPr>
         <p:spPr>
           <a:xfrm>
-            <a:off x="7066491" y="691916"/>
-            <a:ext cx="420158" cy="342316"/>
+            <a:off x="7066491" y="518937"/>
+            <a:ext cx="420158" cy="256737"/>
           </a:xfrm>
           <a:custGeom>
             <a:avLst/>
@@ -5665,8 +6282,8 @@
         </p:nvSpPr>
         <p:spPr>
           <a:xfrm>
-            <a:off x="7972636" y="1037400"/>
-            <a:ext cx="436879" cy="385224"/>
+            <a:off x="7972637" y="778050"/>
+            <a:ext cx="436879" cy="288918"/>
           </a:xfrm>
           <a:custGeom>
             <a:avLst/>
@@ -5836,8 +6453,8 @@
         </p:nvSpPr>
         <p:spPr>
           <a:xfrm>
-            <a:off x="5518573" y="468666"/>
-            <a:ext cx="473498" cy="342316"/>
+            <a:off x="5518573" y="351500"/>
+            <a:ext cx="473498" cy="256737"/>
           </a:xfrm>
           <a:custGeom>
             <a:avLst/>
@@ -6007,8 +6624,8 @@
         </p:nvSpPr>
         <p:spPr>
           <a:xfrm>
-            <a:off x="6440381" y="815258"/>
-            <a:ext cx="462068" cy="386650"/>
+            <a:off x="6440381" y="611443"/>
+            <a:ext cx="462068" cy="289988"/>
           </a:xfrm>
           <a:custGeom>
             <a:avLst/>
@@ -6178,8 +6795,8 @@
         </p:nvSpPr>
         <p:spPr>
           <a:xfrm>
-            <a:off x="7417223" y="1194150"/>
-            <a:ext cx="472228" cy="438425"/>
+            <a:off x="7417223" y="895613"/>
+            <a:ext cx="472228" cy="328819"/>
           </a:xfrm>
           <a:custGeom>
             <a:avLst/>
@@ -6349,8 +6966,8 @@
         </p:nvSpPr>
         <p:spPr>
           <a:xfrm>
-            <a:off x="3734011" y="241300"/>
-            <a:ext cx="591185" cy="344850"/>
+            <a:off x="3734012" y="180975"/>
+            <a:ext cx="591185" cy="258638"/>
           </a:xfrm>
           <a:custGeom>
             <a:avLst/>
@@ -6520,8 +7137,8 @@
         </p:nvSpPr>
         <p:spPr>
           <a:xfrm>
-            <a:off x="8433223" y="1582383"/>
-            <a:ext cx="503131" cy="493050"/>
+            <a:off x="8433224" y="1186787"/>
+            <a:ext cx="503131" cy="369788"/>
           </a:xfrm>
           <a:custGeom>
             <a:avLst/>
@@ -6691,8 +7308,8 @@
         </p:nvSpPr>
         <p:spPr>
           <a:xfrm>
-            <a:off x="5684520" y="960766"/>
-            <a:ext cx="527473" cy="442383"/>
+            <a:off x="5684521" y="720575"/>
+            <a:ext cx="527473" cy="331787"/>
           </a:xfrm>
           <a:custGeom>
             <a:avLst/>
@@ -6862,8 +7479,8 @@
         </p:nvSpPr>
         <p:spPr>
           <a:xfrm>
-            <a:off x="6741583" y="1381933"/>
-            <a:ext cx="521970" cy="506666"/>
+            <a:off x="6741583" y="1036450"/>
+            <a:ext cx="521970" cy="380000"/>
           </a:xfrm>
           <a:custGeom>
             <a:avLst/>
@@ -7033,8 +7650,8 @@
         </p:nvSpPr>
         <p:spPr>
           <a:xfrm>
-            <a:off x="2633133" y="338358"/>
-            <a:ext cx="731308" cy="393141"/>
+            <a:off x="2633133" y="253769"/>
+            <a:ext cx="731308" cy="294856"/>
           </a:xfrm>
           <a:custGeom>
             <a:avLst/>
@@ -7204,8 +7821,8 @@
         </p:nvSpPr>
         <p:spPr>
           <a:xfrm>
-            <a:off x="7851986" y="1813550"/>
-            <a:ext cx="541866" cy="574591"/>
+            <a:off x="7851986" y="1360163"/>
+            <a:ext cx="541866" cy="430943"/>
           </a:xfrm>
           <a:custGeom>
             <a:avLst/>
@@ -7375,8 +7992,8 @@
         </p:nvSpPr>
         <p:spPr>
           <a:xfrm>
-            <a:off x="3662891" y="712816"/>
-            <a:ext cx="671406" cy="447450"/>
+            <a:off x="3662891" y="534612"/>
+            <a:ext cx="671406" cy="335588"/>
           </a:xfrm>
           <a:custGeom>
             <a:avLst/>
@@ -7546,8 +8163,8 @@
         </p:nvSpPr>
         <p:spPr>
           <a:xfrm>
-            <a:off x="235373" y="32616"/>
-            <a:ext cx="996526" cy="388233"/>
+            <a:off x="235373" y="24462"/>
+            <a:ext cx="996526" cy="291175"/>
           </a:xfrm>
           <a:custGeom>
             <a:avLst/>
@@ -7717,8 +8334,8 @@
         </p:nvSpPr>
         <p:spPr>
           <a:xfrm>
-            <a:off x="5906981" y="1608666"/>
-            <a:ext cx="597746" cy="596125"/>
+            <a:off x="5906981" y="1206500"/>
+            <a:ext cx="597746" cy="447094"/>
           </a:xfrm>
           <a:custGeom>
             <a:avLst/>
@@ -7888,8 +8505,8 @@
         </p:nvSpPr>
         <p:spPr>
           <a:xfrm>
-            <a:off x="1261533" y="456316"/>
-            <a:ext cx="934296" cy="455683"/>
+            <a:off x="1261533" y="342238"/>
+            <a:ext cx="934296" cy="341762"/>
           </a:xfrm>
           <a:custGeom>
             <a:avLst/>
@@ -8059,8 +8676,8 @@
         </p:nvSpPr>
         <p:spPr>
           <a:xfrm>
-            <a:off x="7126605" y="2096966"/>
-            <a:ext cx="600921" cy="683999"/>
+            <a:off x="7126605" y="1572725"/>
+            <a:ext cx="600921" cy="512999"/>
           </a:xfrm>
           <a:custGeom>
             <a:avLst/>
@@ -8230,8 +8847,8 @@
         </p:nvSpPr>
         <p:spPr>
           <a:xfrm>
-            <a:off x="2383366" y="875108"/>
-            <a:ext cx="855980" cy="525033"/>
+            <a:off x="2383366" y="656331"/>
+            <a:ext cx="855980" cy="393775"/>
           </a:xfrm>
           <a:custGeom>
             <a:avLst/>
@@ -8401,8 +9018,8 @@
         </p:nvSpPr>
         <p:spPr>
           <a:xfrm>
-            <a:off x="3563408" y="1355016"/>
-            <a:ext cx="783378" cy="612591"/>
+            <a:off x="3563408" y="1016263"/>
+            <a:ext cx="783378" cy="459443"/>
           </a:xfrm>
           <a:custGeom>
             <a:avLst/>
@@ -8572,8 +9189,8 @@
         </p:nvSpPr>
         <p:spPr>
           <a:xfrm>
-            <a:off x="8473440" y="2690875"/>
-            <a:ext cx="657436" cy="803858"/>
+            <a:off x="8473440" y="2018156"/>
+            <a:ext cx="657436" cy="602894"/>
           </a:xfrm>
           <a:custGeom>
             <a:avLst/>
@@ -8743,8 +9360,8 @@
         </p:nvSpPr>
         <p:spPr>
           <a:xfrm>
-            <a:off x="6202468" y="2449100"/>
-            <a:ext cx="692573" cy="834099"/>
+            <a:off x="6202469" y="1836826"/>
+            <a:ext cx="692573" cy="625574"/>
           </a:xfrm>
           <a:custGeom>
             <a:avLst/>
@@ -8914,8 +9531,8 @@
         </p:nvSpPr>
         <p:spPr>
           <a:xfrm>
-            <a:off x="733848" y="1077933"/>
-            <a:ext cx="1138555" cy="631116"/>
+            <a:off x="733849" y="808450"/>
+            <a:ext cx="1138555" cy="473337"/>
           </a:xfrm>
           <a:custGeom>
             <a:avLst/>
@@ -9085,8 +9702,8 @@
         </p:nvSpPr>
         <p:spPr>
           <a:xfrm>
-            <a:off x="2019511" y="1628300"/>
-            <a:ext cx="1043728" cy="747966"/>
+            <a:off x="2019511" y="1221225"/>
+            <a:ext cx="1043728" cy="560975"/>
           </a:xfrm>
           <a:custGeom>
             <a:avLst/>
@@ -9256,8 +9873,8 @@
         </p:nvSpPr>
         <p:spPr>
           <a:xfrm>
-            <a:off x="7698316" y="3141808"/>
-            <a:ext cx="726016" cy="1000666"/>
+            <a:off x="7698316" y="2356356"/>
+            <a:ext cx="726016" cy="750500"/>
           </a:xfrm>
           <a:custGeom>
             <a:avLst/>
@@ -9427,8 +10044,8 @@
         </p:nvSpPr>
         <p:spPr>
           <a:xfrm>
-            <a:off x="3419263" y="2251500"/>
-            <a:ext cx="945091" cy="893000"/>
+            <a:off x="3419264" y="1688625"/>
+            <a:ext cx="945091" cy="669750"/>
           </a:xfrm>
           <a:custGeom>
             <a:avLst/>
@@ -9598,8 +10215,8 @@
         </p:nvSpPr>
         <p:spPr>
           <a:xfrm>
-            <a:off x="6662631" y="3724950"/>
-            <a:ext cx="840105" cy="1294216"/>
+            <a:off x="6662632" y="2793713"/>
+            <a:ext cx="840105" cy="970662"/>
           </a:xfrm>
           <a:custGeom>
             <a:avLst/>
@@ -9769,8 +10386,8 @@
         </p:nvSpPr>
         <p:spPr>
           <a:xfrm>
-            <a:off x="1462828" y="2723650"/>
-            <a:ext cx="1342178" cy="1156466"/>
+            <a:off x="1462828" y="2042737"/>
+            <a:ext cx="1342178" cy="867350"/>
           </a:xfrm>
           <a:custGeom>
             <a:avLst/>
@@ -9940,8 +10557,8 @@
         </p:nvSpPr>
         <p:spPr>
           <a:xfrm>
-            <a:off x="3206115" y="3509933"/>
-            <a:ext cx="1183216" cy="1400616"/>
+            <a:off x="3206115" y="2632450"/>
+            <a:ext cx="1183216" cy="1050462"/>
           </a:xfrm>
           <a:custGeom>
             <a:avLst/>
@@ -10111,8 +10728,8 @@
         </p:nvSpPr>
         <p:spPr>
           <a:xfrm>
-            <a:off x="4636346" y="160233"/>
-            <a:ext cx="498474" cy="306691"/>
+            <a:off x="4636346" y="120175"/>
+            <a:ext cx="498474" cy="230018"/>
           </a:xfrm>
           <a:custGeom>
             <a:avLst/>
@@ -10282,8 +10899,8 @@
         </p:nvSpPr>
         <p:spPr>
           <a:xfrm>
-            <a:off x="4682913" y="579975"/>
-            <a:ext cx="554143" cy="388391"/>
+            <a:off x="4682914" y="434982"/>
+            <a:ext cx="554143" cy="291293"/>
           </a:xfrm>
           <a:custGeom>
             <a:avLst/>
@@ -10453,8 +11070,8 @@
         </p:nvSpPr>
         <p:spPr>
           <a:xfrm>
-            <a:off x="4745990" y="1137941"/>
-            <a:ext cx="627803" cy="515375"/>
+            <a:off x="4745991" y="853456"/>
+            <a:ext cx="627803" cy="386531"/>
           </a:xfrm>
           <a:custGeom>
             <a:avLst/>
@@ -10624,8 +11241,8 @@
         </p:nvSpPr>
         <p:spPr>
           <a:xfrm>
-            <a:off x="4833196" y="1892241"/>
-            <a:ext cx="727286" cy="718991"/>
+            <a:off x="4833196" y="1419181"/>
+            <a:ext cx="727286" cy="539243"/>
           </a:xfrm>
           <a:custGeom>
             <a:avLst/>
@@ -10795,8 +11412,8 @@
         </p:nvSpPr>
         <p:spPr>
           <a:xfrm>
-            <a:off x="4954693" y="2905416"/>
-            <a:ext cx="861695" cy="1055766"/>
+            <a:off x="4954694" y="2179062"/>
+            <a:ext cx="861695" cy="791825"/>
           </a:xfrm>
           <a:custGeom>
             <a:avLst/>
@@ -10966,8 +11583,8 @@
         </p:nvSpPr>
         <p:spPr>
           <a:xfrm>
-            <a:off x="0" y="3371866"/>
-            <a:ext cx="668866" cy="1069541"/>
+            <a:off x="0" y="2528900"/>
+            <a:ext cx="668866" cy="802156"/>
           </a:xfrm>
           <a:custGeom>
             <a:avLst/>
@@ -11076,8 +11693,8 @@
         </p:nvSpPr>
         <p:spPr>
           <a:xfrm>
-            <a:off x="783378" y="4349891"/>
-            <a:ext cx="1634913" cy="1041991"/>
+            <a:off x="783379" y="3262419"/>
+            <a:ext cx="1634913" cy="781493"/>
           </a:xfrm>
           <a:custGeom>
             <a:avLst/>
@@ -11202,8 +11819,8 @@
         </p:nvSpPr>
         <p:spPr>
           <a:xfrm>
-            <a:off x="0" y="1983125"/>
-            <a:ext cx="1399328" cy="946358"/>
+            <a:off x="0" y="1487344"/>
+            <a:ext cx="1399328" cy="709769"/>
           </a:xfrm>
           <a:custGeom>
             <a:avLst/>
@@ -11360,8 +11977,8 @@
         </p:nvSpPr>
         <p:spPr>
           <a:xfrm>
-            <a:off x="0" y="602458"/>
-            <a:ext cx="745913" cy="510941"/>
+            <a:off x="1" y="451844"/>
+            <a:ext cx="745913" cy="383206"/>
           </a:xfrm>
           <a:custGeom>
             <a:avLst/>
@@ -11486,8 +12103,8 @@
         </p:nvSpPr>
         <p:spPr>
           <a:xfrm>
-            <a:off x="1669838" y="0"/>
-            <a:ext cx="783801" cy="288641"/>
+            <a:off x="1669839" y="0"/>
+            <a:ext cx="783801" cy="216481"/>
           </a:xfrm>
           <a:custGeom>
             <a:avLst/>
@@ -11636,8 +12253,8 @@
         </p:nvSpPr>
         <p:spPr>
           <a:xfrm>
-            <a:off x="2832523" y="-950"/>
-            <a:ext cx="631401" cy="192375"/>
+            <a:off x="2832524" y="-712"/>
+            <a:ext cx="631401" cy="144281"/>
           </a:xfrm>
           <a:custGeom>
             <a:avLst/>
@@ -11771,7 +12388,7 @@
         <p:spPr>
           <a:xfrm>
             <a:off x="3793701" y="0"/>
-            <a:ext cx="510116" cy="107508"/>
+            <a:ext cx="510116" cy="80631"/>
           </a:xfrm>
           <a:custGeom>
             <a:avLst/>
@@ -11881,7 +12498,7 @@
         <p:spPr>
           <a:xfrm>
             <a:off x="7051463" y="0"/>
-            <a:ext cx="323850" cy="138066"/>
+            <a:ext cx="323850" cy="103550"/>
           </a:xfrm>
           <a:custGeom>
             <a:avLst/>
@@ -12014,8 +12631,8 @@
         </p:nvSpPr>
         <p:spPr>
           <a:xfrm>
-            <a:off x="6576906" y="-1266"/>
-            <a:ext cx="349884" cy="205358"/>
+            <a:off x="6576906" y="-950"/>
+            <a:ext cx="349884" cy="154019"/>
           </a:xfrm>
           <a:custGeom>
             <a:avLst/>
@@ -12172,8 +12789,8 @@
         </p:nvSpPr>
         <p:spPr>
           <a:xfrm>
-            <a:off x="7495751" y="-633"/>
-            <a:ext cx="279823" cy="84391"/>
+            <a:off x="7495752" y="-474"/>
+            <a:ext cx="279823" cy="63293"/>
           </a:xfrm>
           <a:custGeom>
             <a:avLst/>
@@ -12290,8 +12907,8 @@
         </p:nvSpPr>
         <p:spPr>
           <a:xfrm>
-            <a:off x="9015730" y="4275"/>
-            <a:ext cx="128270" cy="119225"/>
+            <a:off x="9015730" y="3207"/>
+            <a:ext cx="128270" cy="89419"/>
           </a:xfrm>
           <a:custGeom>
             <a:avLst/>
@@ -12387,8 +13004,8 @@
         </p:nvSpPr>
         <p:spPr>
           <a:xfrm>
-            <a:off x="8843433" y="787708"/>
-            <a:ext cx="302260" cy="305266"/>
+            <a:off x="8843433" y="590781"/>
+            <a:ext cx="302260" cy="228950"/>
           </a:xfrm>
           <a:custGeom>
             <a:avLst/>
@@ -12537,8 +13154,8 @@
         </p:nvSpPr>
         <p:spPr>
           <a:xfrm>
-            <a:off x="8914765" y="1387791"/>
-            <a:ext cx="229235" cy="382216"/>
+            <a:off x="8914766" y="1040843"/>
+            <a:ext cx="229235" cy="286662"/>
           </a:xfrm>
           <a:custGeom>
             <a:avLst/>
@@ -12655,8 +13272,8 @@
         </p:nvSpPr>
         <p:spPr>
           <a:xfrm>
-            <a:off x="9070340" y="2343175"/>
-            <a:ext cx="73660" cy="355774"/>
+            <a:off x="9070340" y="1757381"/>
+            <a:ext cx="73660" cy="266831"/>
           </a:xfrm>
           <a:custGeom>
             <a:avLst/>
@@ -12741,8 +13358,8 @@
         </p:nvSpPr>
         <p:spPr>
           <a:xfrm>
-            <a:off x="5176731" y="4528333"/>
-            <a:ext cx="1056851" cy="863550"/>
+            <a:off x="5176732" y="3396250"/>
+            <a:ext cx="1056851" cy="647663"/>
           </a:xfrm>
           <a:custGeom>
             <a:avLst/>
@@ -12867,8 +13484,8 @@
         </p:nvSpPr>
         <p:spPr>
           <a:xfrm>
-            <a:off x="8469630" y="4535933"/>
-            <a:ext cx="674370" cy="855950"/>
+            <a:off x="8469630" y="3401950"/>
+            <a:ext cx="674370" cy="641963"/>
           </a:xfrm>
           <a:custGeom>
             <a:avLst/>
@@ -12982,8 +13599,8 @@
         </p:nvSpPr>
         <p:spPr>
           <a:xfrm>
-            <a:off x="457200" y="274638"/>
-            <a:ext cx="8229600" cy="1143000"/>
+            <a:off x="457200" y="4043912"/>
+            <a:ext cx="8229600" cy="620571"/>
           </a:xfrm>
           <a:prstGeom prst="rect">
             <a:avLst/>
@@ -13015,8 +13632,8 @@
         </p:nvSpPr>
         <p:spPr>
           <a:xfrm>
-            <a:off x="457200" y="1600200"/>
-            <a:ext cx="8229600" cy="4525963"/>
+            <a:off x="457200" y="351500"/>
+            <a:ext cx="8229600" cy="3394472"/>
           </a:xfrm>
           <a:prstGeom prst="rect">
             <a:avLst/>
@@ -13077,8 +13694,8 @@
         </p:nvSpPr>
         <p:spPr>
           <a:xfrm>
-            <a:off x="457200" y="6356350"/>
-            <a:ext cx="2133600" cy="365125"/>
+            <a:off x="457200" y="4767263"/>
+            <a:ext cx="2133600" cy="273844"/>
           </a:xfrm>
           <a:prstGeom prst="rect">
             <a:avLst/>
@@ -13100,7 +13717,7 @@
           <a:p>
             <a:fld id="{64DD35C3-21A0-4EF9-918E-2D5226C340E0}" type="datetimeFigureOut">
               <a:rPr lang="ru-RU" smtClean="0"/>
-              <a:t>04.12.2012</a:t>
+              <a:t>22.10.2013</a:t>
             </a:fld>
             <a:endParaRPr lang="ru-RU"/>
           </a:p>
@@ -13118,8 +13735,8 @@
         </p:nvSpPr>
         <p:spPr>
           <a:xfrm>
-            <a:off x="3124200" y="6356350"/>
-            <a:ext cx="2895600" cy="365125"/>
+            <a:off x="3124200" y="4767263"/>
+            <a:ext cx="2895600" cy="273844"/>
           </a:xfrm>
           <a:prstGeom prst="rect">
             <a:avLst/>
@@ -13155,8 +13772,8 @@
         </p:nvSpPr>
         <p:spPr>
           <a:xfrm>
-            <a:off x="6553200" y="6356350"/>
-            <a:ext cx="2133600" cy="365125"/>
+            <a:off x="6553200" y="4767263"/>
+            <a:ext cx="2133600" cy="273844"/>
           </a:xfrm>
           <a:prstGeom prst="rect">
             <a:avLst/>
@@ -13477,31 +14094,7 @@
       </p:grpSpPr>
       <p:sp>
         <p:nvSpPr>
-          <p:cNvPr id="2" name="Заголовок 1"/>
-          <p:cNvSpPr>
-            <a:spLocks noGrp="1"/>
-          </p:cNvSpPr>
-          <p:nvPr>
-            <p:ph type="ctrTitle"/>
-          </p:nvPr>
-        </p:nvSpPr>
-        <p:spPr>
-          <a:xfrm>
-            <a:off x="685800" y="2130425"/>
-            <a:ext cx="7772400" cy="1470025"/>
-          </a:xfrm>
-        </p:spPr>
-        <p:txBody>
-          <a:bodyPr/>
-          <a:lstStyle/>
-          <a:p>
-            <a:endParaRPr lang="ru-RU" dirty="0"/>
-          </a:p>
-        </p:txBody>
-      </p:sp>
-      <p:sp>
-        <p:nvSpPr>
-          <p:cNvPr id="3" name="Подзаголовок 2"/>
+          <p:cNvPr id="5" name="Подзаголовок 4"/>
           <p:cNvSpPr>
             <a:spLocks noGrp="1"/>
           </p:cNvSpPr>
@@ -13511,10 +14104,31 @@
         </p:nvSpPr>
         <p:spPr/>
         <p:txBody>
+          <a:bodyPr>
+            <a:normAutofit fontScale="92500" lnSpcReduction="10000"/>
+          </a:bodyPr>
+          <a:lstStyle/>
+          <a:p>
+            <a:endParaRPr lang="ru-RU" dirty="0"/>
+          </a:p>
+        </p:txBody>
+      </p:sp>
+      <p:sp>
+        <p:nvSpPr>
+          <p:cNvPr id="4" name="Заголовок 3"/>
+          <p:cNvSpPr>
+            <a:spLocks noGrp="1"/>
+          </p:cNvSpPr>
+          <p:nvPr>
+            <p:ph type="title"/>
+          </p:nvPr>
+        </p:nvSpPr>
+        <p:spPr/>
+        <p:txBody>
           <a:bodyPr/>
           <a:lstStyle/>
           <a:p>
-            <a:endParaRPr lang="ru-RU"/>
+            <a:endParaRPr lang="ru-RU" dirty="0"/>
           </a:p>
         </p:txBody>
       </p:sp>
@@ -13528,6 +14142,13 @@
   <p:clrMapOvr>
     <a:masterClrMapping/>
   </p:clrMapOvr>
+  <p:timing>
+    <p:tnLst>
+      <p:par>
+        <p:cTn id="1" dur="indefinite" restart="never" nodeType="tmRoot"/>
+      </p:par>
+    </p:tnLst>
+  </p:timing>
 </p:sld>
 </file>
 
@@ -14717,4 +15338,574 @@
     </a:extraClrScheme>
   </a:extraClrSchemeLst>
 </a:theme>
+</file>
+
+<file path=ppt/theme/theme2.xml><?xml version="1.0" encoding="utf-8"?>
+<a:theme xmlns:a="http://schemas.openxmlformats.org/drawingml/2006/main" name="Тема Office">
+  <a:themeElements>
+    <a:clrScheme name="Стандартная">
+      <a:dk1>
+        <a:sysClr val="windowText" lastClr="000000"/>
+      </a:dk1>
+      <a:lt1>
+        <a:sysClr val="window" lastClr="FFFFFF"/>
+      </a:lt1>
+      <a:dk2>
+        <a:srgbClr val="1F497D"/>
+      </a:dk2>
+      <a:lt2>
+        <a:srgbClr val="EEECE1"/>
+      </a:lt2>
+      <a:accent1>
+        <a:srgbClr val="4F81BD"/>
+      </a:accent1>
+      <a:accent2>
+        <a:srgbClr val="C0504D"/>
+      </a:accent2>
+      <a:accent3>
+        <a:srgbClr val="9BBB59"/>
+      </a:accent3>
+      <a:accent4>
+        <a:srgbClr val="8064A2"/>
+      </a:accent4>
+      <a:accent5>
+        <a:srgbClr val="4BACC6"/>
+      </a:accent5>
+      <a:accent6>
+        <a:srgbClr val="F79646"/>
+      </a:accent6>
+      <a:hlink>
+        <a:srgbClr val="0000FF"/>
+      </a:hlink>
+      <a:folHlink>
+        <a:srgbClr val="800080"/>
+      </a:folHlink>
+    </a:clrScheme>
+    <a:fontScheme name="Стандартная">
+      <a:majorFont>
+        <a:latin typeface="Calibri"/>
+        <a:ea typeface=""/>
+        <a:cs typeface=""/>
+        <a:font script="Jpan" typeface="ＭＳ Ｐゴシック"/>
+        <a:font script="Hang" typeface="맑은 고딕"/>
+        <a:font script="Hans" typeface="宋体"/>
+        <a:font script="Hant" typeface="新細明體"/>
+        <a:font script="Arab" typeface="Times New Roman"/>
+        <a:font script="Hebr" typeface="Times New Roman"/>
+        <a:font script="Thai" typeface="Angsana New"/>
+        <a:font script="Ethi" typeface="Nyala"/>
+        <a:font script="Beng" typeface="Vrinda"/>
+        <a:font script="Gujr" typeface="Shruti"/>
+        <a:font script="Khmr" typeface="MoolBoran"/>
+        <a:font script="Knda" typeface="Tunga"/>
+        <a:font script="Guru" typeface="Raavi"/>
+        <a:font script="Cans" typeface="Euphemia"/>
+        <a:font script="Cher" typeface="Plantagenet Cherokee"/>
+        <a:font script="Yiii" typeface="Microsoft Yi Baiti"/>
+        <a:font script="Tibt" typeface="Microsoft Himalaya"/>
+        <a:font script="Thaa" typeface="MV Boli"/>
+        <a:font script="Deva" typeface="Mangal"/>
+        <a:font script="Telu" typeface="Gautami"/>
+        <a:font script="Taml" typeface="Latha"/>
+        <a:font script="Syrc" typeface="Estrangelo Edessa"/>
+        <a:font script="Orya" typeface="Kalinga"/>
+        <a:font script="Mlym" typeface="Kartika"/>
+        <a:font script="Laoo" typeface="DokChampa"/>
+        <a:font script="Sinh" typeface="Iskoola Pota"/>
+        <a:font script="Mong" typeface="Mongolian Baiti"/>
+        <a:font script="Viet" typeface="Times New Roman"/>
+        <a:font script="Uigh" typeface="Microsoft Uighur"/>
+        <a:font script="Geor" typeface="Sylfaen"/>
+      </a:majorFont>
+      <a:minorFont>
+        <a:latin typeface="Calibri"/>
+        <a:ea typeface=""/>
+        <a:cs typeface=""/>
+        <a:font script="Jpan" typeface="ＭＳ Ｐゴシック"/>
+        <a:font script="Hang" typeface="맑은 고딕"/>
+        <a:font script="Hans" typeface="宋体"/>
+        <a:font script="Hant" typeface="新細明體"/>
+        <a:font script="Arab" typeface="Arial"/>
+        <a:font script="Hebr" typeface="Arial"/>
+        <a:font script="Thai" typeface="Cordia New"/>
+        <a:font script="Ethi" typeface="Nyala"/>
+        <a:font script="Beng" typeface="Vrinda"/>
+        <a:font script="Gujr" typeface="Shruti"/>
+        <a:font script="Khmr" typeface="DaunPenh"/>
+        <a:font script="Knda" typeface="Tunga"/>
+        <a:font script="Guru" typeface="Raavi"/>
+        <a:font script="Cans" typeface="Euphemia"/>
+        <a:font script="Cher" typeface="Plantagenet Cherokee"/>
+        <a:font script="Yiii" typeface="Microsoft Yi Baiti"/>
+        <a:font script="Tibt" typeface="Microsoft Himalaya"/>
+        <a:font script="Thaa" typeface="MV Boli"/>
+        <a:font script="Deva" typeface="Mangal"/>
+        <a:font script="Telu" typeface="Gautami"/>
+        <a:font script="Taml" typeface="Latha"/>
+        <a:font script="Syrc" typeface="Estrangelo Edessa"/>
+        <a:font script="Orya" typeface="Kalinga"/>
+        <a:font script="Mlym" typeface="Kartika"/>
+        <a:font script="Laoo" typeface="DokChampa"/>
+        <a:font script="Sinh" typeface="Iskoola Pota"/>
+        <a:font script="Mong" typeface="Mongolian Baiti"/>
+        <a:font script="Viet" typeface="Arial"/>
+        <a:font script="Uigh" typeface="Microsoft Uighur"/>
+        <a:font script="Geor" typeface="Sylfaen"/>
+      </a:minorFont>
+    </a:fontScheme>
+    <a:fmtScheme name="Стандартная">
+      <a:fillStyleLst>
+        <a:solidFill>
+          <a:schemeClr val="phClr"/>
+        </a:solidFill>
+        <a:gradFill rotWithShape="1">
+          <a:gsLst>
+            <a:gs pos="0">
+              <a:schemeClr val="phClr">
+                <a:tint val="50000"/>
+                <a:satMod val="300000"/>
+              </a:schemeClr>
+            </a:gs>
+            <a:gs pos="35000">
+              <a:schemeClr val="phClr">
+                <a:tint val="37000"/>
+                <a:satMod val="300000"/>
+              </a:schemeClr>
+            </a:gs>
+            <a:gs pos="100000">
+              <a:schemeClr val="phClr">
+                <a:tint val="15000"/>
+                <a:satMod val="350000"/>
+              </a:schemeClr>
+            </a:gs>
+          </a:gsLst>
+          <a:lin ang="16200000" scaled="1"/>
+        </a:gradFill>
+        <a:gradFill rotWithShape="1">
+          <a:gsLst>
+            <a:gs pos="0">
+              <a:schemeClr val="phClr">
+                <a:shade val="51000"/>
+                <a:satMod val="130000"/>
+              </a:schemeClr>
+            </a:gs>
+            <a:gs pos="80000">
+              <a:schemeClr val="phClr">
+                <a:shade val="93000"/>
+                <a:satMod val="130000"/>
+              </a:schemeClr>
+            </a:gs>
+            <a:gs pos="100000">
+              <a:schemeClr val="phClr">
+                <a:shade val="94000"/>
+                <a:satMod val="135000"/>
+              </a:schemeClr>
+            </a:gs>
+          </a:gsLst>
+          <a:lin ang="16200000" scaled="0"/>
+        </a:gradFill>
+      </a:fillStyleLst>
+      <a:lnStyleLst>
+        <a:ln w="9525" cap="flat" cmpd="sng" algn="ctr">
+          <a:solidFill>
+            <a:schemeClr val="phClr">
+              <a:shade val="95000"/>
+              <a:satMod val="105000"/>
+            </a:schemeClr>
+          </a:solidFill>
+          <a:prstDash val="solid"/>
+        </a:ln>
+        <a:ln w="25400" cap="flat" cmpd="sng" algn="ctr">
+          <a:solidFill>
+            <a:schemeClr val="phClr"/>
+          </a:solidFill>
+          <a:prstDash val="solid"/>
+        </a:ln>
+        <a:ln w="38100" cap="flat" cmpd="sng" algn="ctr">
+          <a:solidFill>
+            <a:schemeClr val="phClr"/>
+          </a:solidFill>
+          <a:prstDash val="solid"/>
+        </a:ln>
+      </a:lnStyleLst>
+      <a:effectStyleLst>
+        <a:effectStyle>
+          <a:effectLst>
+            <a:outerShdw blurRad="40000" dist="20000" dir="5400000" rotWithShape="0">
+              <a:srgbClr val="000000">
+                <a:alpha val="38000"/>
+              </a:srgbClr>
+            </a:outerShdw>
+          </a:effectLst>
+        </a:effectStyle>
+        <a:effectStyle>
+          <a:effectLst>
+            <a:outerShdw blurRad="40000" dist="23000" dir="5400000" rotWithShape="0">
+              <a:srgbClr val="000000">
+                <a:alpha val="35000"/>
+              </a:srgbClr>
+            </a:outerShdw>
+          </a:effectLst>
+        </a:effectStyle>
+        <a:effectStyle>
+          <a:effectLst>
+            <a:outerShdw blurRad="40000" dist="23000" dir="5400000" rotWithShape="0">
+              <a:srgbClr val="000000">
+                <a:alpha val="35000"/>
+              </a:srgbClr>
+            </a:outerShdw>
+          </a:effectLst>
+          <a:scene3d>
+            <a:camera prst="orthographicFront">
+              <a:rot lat="0" lon="0" rev="0"/>
+            </a:camera>
+            <a:lightRig rig="threePt" dir="t">
+              <a:rot lat="0" lon="0" rev="1200000"/>
+            </a:lightRig>
+          </a:scene3d>
+          <a:sp3d>
+            <a:bevelT w="63500" h="25400"/>
+          </a:sp3d>
+        </a:effectStyle>
+      </a:effectStyleLst>
+      <a:bgFillStyleLst>
+        <a:solidFill>
+          <a:schemeClr val="phClr"/>
+        </a:solidFill>
+        <a:gradFill rotWithShape="1">
+          <a:gsLst>
+            <a:gs pos="0">
+              <a:schemeClr val="phClr">
+                <a:tint val="40000"/>
+                <a:satMod val="350000"/>
+              </a:schemeClr>
+            </a:gs>
+            <a:gs pos="40000">
+              <a:schemeClr val="phClr">
+                <a:tint val="45000"/>
+                <a:shade val="99000"/>
+                <a:satMod val="350000"/>
+              </a:schemeClr>
+            </a:gs>
+            <a:gs pos="100000">
+              <a:schemeClr val="phClr">
+                <a:shade val="20000"/>
+                <a:satMod val="255000"/>
+              </a:schemeClr>
+            </a:gs>
+          </a:gsLst>
+          <a:path path="circle">
+            <a:fillToRect l="50000" t="-80000" r="50000" b="180000"/>
+          </a:path>
+        </a:gradFill>
+        <a:gradFill rotWithShape="1">
+          <a:gsLst>
+            <a:gs pos="0">
+              <a:schemeClr val="phClr">
+                <a:tint val="80000"/>
+                <a:satMod val="300000"/>
+              </a:schemeClr>
+            </a:gs>
+            <a:gs pos="100000">
+              <a:schemeClr val="phClr">
+                <a:shade val="30000"/>
+                <a:satMod val="200000"/>
+              </a:schemeClr>
+            </a:gs>
+          </a:gsLst>
+          <a:path path="circle">
+            <a:fillToRect l="50000" t="50000" r="50000" b="50000"/>
+          </a:path>
+        </a:gradFill>
+      </a:bgFillStyleLst>
+    </a:fmtScheme>
+  </a:themeElements>
+  <a:objectDefaults/>
+  <a:extraClrSchemeLst/>
+</a:theme>
+</file>
+
+<file path=ppt/theme/theme3.xml><?xml version="1.0" encoding="utf-8"?>
+<a:theme xmlns:a="http://schemas.openxmlformats.org/drawingml/2006/main" name="Тема Office">
+  <a:themeElements>
+    <a:clrScheme name="Стандартная">
+      <a:dk1>
+        <a:sysClr val="windowText" lastClr="000000"/>
+      </a:dk1>
+      <a:lt1>
+        <a:sysClr val="window" lastClr="FFFFFF"/>
+      </a:lt1>
+      <a:dk2>
+        <a:srgbClr val="1F497D"/>
+      </a:dk2>
+      <a:lt2>
+        <a:srgbClr val="EEECE1"/>
+      </a:lt2>
+      <a:accent1>
+        <a:srgbClr val="4F81BD"/>
+      </a:accent1>
+      <a:accent2>
+        <a:srgbClr val="C0504D"/>
+      </a:accent2>
+      <a:accent3>
+        <a:srgbClr val="9BBB59"/>
+      </a:accent3>
+      <a:accent4>
+        <a:srgbClr val="8064A2"/>
+      </a:accent4>
+      <a:accent5>
+        <a:srgbClr val="4BACC6"/>
+      </a:accent5>
+      <a:accent6>
+        <a:srgbClr val="F79646"/>
+      </a:accent6>
+      <a:hlink>
+        <a:srgbClr val="0000FF"/>
+      </a:hlink>
+      <a:folHlink>
+        <a:srgbClr val="800080"/>
+      </a:folHlink>
+    </a:clrScheme>
+    <a:fontScheme name="Стандартная">
+      <a:majorFont>
+        <a:latin typeface="Calibri"/>
+        <a:ea typeface=""/>
+        <a:cs typeface=""/>
+        <a:font script="Jpan" typeface="ＭＳ Ｐゴシック"/>
+        <a:font script="Hang" typeface="맑은 고딕"/>
+        <a:font script="Hans" typeface="宋体"/>
+        <a:font script="Hant" typeface="新細明體"/>
+        <a:font script="Arab" typeface="Times New Roman"/>
+        <a:font script="Hebr" typeface="Times New Roman"/>
+        <a:font script="Thai" typeface="Angsana New"/>
+        <a:font script="Ethi" typeface="Nyala"/>
+        <a:font script="Beng" typeface="Vrinda"/>
+        <a:font script="Gujr" typeface="Shruti"/>
+        <a:font script="Khmr" typeface="MoolBoran"/>
+        <a:font script="Knda" typeface="Tunga"/>
+        <a:font script="Guru" typeface="Raavi"/>
+        <a:font script="Cans" typeface="Euphemia"/>
+        <a:font script="Cher" typeface="Plantagenet Cherokee"/>
+        <a:font script="Yiii" typeface="Microsoft Yi Baiti"/>
+        <a:font script="Tibt" typeface="Microsoft Himalaya"/>
+        <a:font script="Thaa" typeface="MV Boli"/>
+        <a:font script="Deva" typeface="Mangal"/>
+        <a:font script="Telu" typeface="Gautami"/>
+        <a:font script="Taml" typeface="Latha"/>
+        <a:font script="Syrc" typeface="Estrangelo Edessa"/>
+        <a:font script="Orya" typeface="Kalinga"/>
+        <a:font script="Mlym" typeface="Kartika"/>
+        <a:font script="Laoo" typeface="DokChampa"/>
+        <a:font script="Sinh" typeface="Iskoola Pota"/>
+        <a:font script="Mong" typeface="Mongolian Baiti"/>
+        <a:font script="Viet" typeface="Times New Roman"/>
+        <a:font script="Uigh" typeface="Microsoft Uighur"/>
+        <a:font script="Geor" typeface="Sylfaen"/>
+      </a:majorFont>
+      <a:minorFont>
+        <a:latin typeface="Calibri"/>
+        <a:ea typeface=""/>
+        <a:cs typeface=""/>
+        <a:font script="Jpan" typeface="ＭＳ Ｐゴシック"/>
+        <a:font script="Hang" typeface="맑은 고딕"/>
+        <a:font script="Hans" typeface="宋体"/>
+        <a:font script="Hant" typeface="新細明體"/>
+        <a:font script="Arab" typeface="Arial"/>
+        <a:font script="Hebr" typeface="Arial"/>
+        <a:font script="Thai" typeface="Cordia New"/>
+        <a:font script="Ethi" typeface="Nyala"/>
+        <a:font script="Beng" typeface="Vrinda"/>
+        <a:font script="Gujr" typeface="Shruti"/>
+        <a:font script="Khmr" typeface="DaunPenh"/>
+        <a:font script="Knda" typeface="Tunga"/>
+        <a:font script="Guru" typeface="Raavi"/>
+        <a:font script="Cans" typeface="Euphemia"/>
+        <a:font script="Cher" typeface="Plantagenet Cherokee"/>
+        <a:font script="Yiii" typeface="Microsoft Yi Baiti"/>
+        <a:font script="Tibt" typeface="Microsoft Himalaya"/>
+        <a:font script="Thaa" typeface="MV Boli"/>
+        <a:font script="Deva" typeface="Mangal"/>
+        <a:font script="Telu" typeface="Gautami"/>
+        <a:font script="Taml" typeface="Latha"/>
+        <a:font script="Syrc" typeface="Estrangelo Edessa"/>
+        <a:font script="Orya" typeface="Kalinga"/>
+        <a:font script="Mlym" typeface="Kartika"/>
+        <a:font script="Laoo" typeface="DokChampa"/>
+        <a:font script="Sinh" typeface="Iskoola Pota"/>
+        <a:font script="Mong" typeface="Mongolian Baiti"/>
+        <a:font script="Viet" typeface="Arial"/>
+        <a:font script="Uigh" typeface="Microsoft Uighur"/>
+        <a:font script="Geor" typeface="Sylfaen"/>
+      </a:minorFont>
+    </a:fontScheme>
+    <a:fmtScheme name="Стандартная">
+      <a:fillStyleLst>
+        <a:solidFill>
+          <a:schemeClr val="phClr"/>
+        </a:solidFill>
+        <a:gradFill rotWithShape="1">
+          <a:gsLst>
+            <a:gs pos="0">
+              <a:schemeClr val="phClr">
+                <a:tint val="50000"/>
+                <a:satMod val="300000"/>
+              </a:schemeClr>
+            </a:gs>
+            <a:gs pos="35000">
+              <a:schemeClr val="phClr">
+                <a:tint val="37000"/>
+                <a:satMod val="300000"/>
+              </a:schemeClr>
+            </a:gs>
+            <a:gs pos="100000">
+              <a:schemeClr val="phClr">
+                <a:tint val="15000"/>
+                <a:satMod val="350000"/>
+              </a:schemeClr>
+            </a:gs>
+          </a:gsLst>
+          <a:lin ang="16200000" scaled="1"/>
+        </a:gradFill>
+        <a:gradFill rotWithShape="1">
+          <a:gsLst>
+            <a:gs pos="0">
+              <a:schemeClr val="phClr">
+                <a:shade val="51000"/>
+                <a:satMod val="130000"/>
+              </a:schemeClr>
+            </a:gs>
+            <a:gs pos="80000">
+              <a:schemeClr val="phClr">
+                <a:shade val="93000"/>
+                <a:satMod val="130000"/>
+              </a:schemeClr>
+            </a:gs>
+            <a:gs pos="100000">
+              <a:schemeClr val="phClr">
+                <a:shade val="94000"/>
+                <a:satMod val="135000"/>
+              </a:schemeClr>
+            </a:gs>
+          </a:gsLst>
+          <a:lin ang="16200000" scaled="0"/>
+        </a:gradFill>
+      </a:fillStyleLst>
+      <a:lnStyleLst>
+        <a:ln w="9525" cap="flat" cmpd="sng" algn="ctr">
+          <a:solidFill>
+            <a:schemeClr val="phClr">
+              <a:shade val="95000"/>
+              <a:satMod val="105000"/>
+            </a:schemeClr>
+          </a:solidFill>
+          <a:prstDash val="solid"/>
+        </a:ln>
+        <a:ln w="25400" cap="flat" cmpd="sng" algn="ctr">
+          <a:solidFill>
+            <a:schemeClr val="phClr"/>
+          </a:solidFill>
+          <a:prstDash val="solid"/>
+        </a:ln>
+        <a:ln w="38100" cap="flat" cmpd="sng" algn="ctr">
+          <a:solidFill>
+            <a:schemeClr val="phClr"/>
+          </a:solidFill>
+          <a:prstDash val="solid"/>
+        </a:ln>
+      </a:lnStyleLst>
+      <a:effectStyleLst>
+        <a:effectStyle>
+          <a:effectLst>
+            <a:outerShdw blurRad="40000" dist="20000" dir="5400000" rotWithShape="0">
+              <a:srgbClr val="000000">
+                <a:alpha val="38000"/>
+              </a:srgbClr>
+            </a:outerShdw>
+          </a:effectLst>
+        </a:effectStyle>
+        <a:effectStyle>
+          <a:effectLst>
+            <a:outerShdw blurRad="40000" dist="23000" dir="5400000" rotWithShape="0">
+              <a:srgbClr val="000000">
+                <a:alpha val="35000"/>
+              </a:srgbClr>
+            </a:outerShdw>
+          </a:effectLst>
+        </a:effectStyle>
+        <a:effectStyle>
+          <a:effectLst>
+            <a:outerShdw blurRad="40000" dist="23000" dir="5400000" rotWithShape="0">
+              <a:srgbClr val="000000">
+                <a:alpha val="35000"/>
+              </a:srgbClr>
+            </a:outerShdw>
+          </a:effectLst>
+          <a:scene3d>
+            <a:camera prst="orthographicFront">
+              <a:rot lat="0" lon="0" rev="0"/>
+            </a:camera>
+            <a:lightRig rig="threePt" dir="t">
+              <a:rot lat="0" lon="0" rev="1200000"/>
+            </a:lightRig>
+          </a:scene3d>
+          <a:sp3d>
+            <a:bevelT w="63500" h="25400"/>
+          </a:sp3d>
+        </a:effectStyle>
+      </a:effectStyleLst>
+      <a:bgFillStyleLst>
+        <a:solidFill>
+          <a:schemeClr val="phClr"/>
+        </a:solidFill>
+        <a:gradFill rotWithShape="1">
+          <a:gsLst>
+            <a:gs pos="0">
+              <a:schemeClr val="phClr">
+                <a:tint val="40000"/>
+                <a:satMod val="350000"/>
+              </a:schemeClr>
+            </a:gs>
+            <a:gs pos="40000">
+              <a:schemeClr val="phClr">
+                <a:tint val="45000"/>
+                <a:shade val="99000"/>
+                <a:satMod val="350000"/>
+              </a:schemeClr>
+            </a:gs>
+            <a:gs pos="100000">
+              <a:schemeClr val="phClr">
+                <a:shade val="20000"/>
+                <a:satMod val="255000"/>
+              </a:schemeClr>
+            </a:gs>
+          </a:gsLst>
+          <a:path path="circle">
+            <a:fillToRect l="50000" t="-80000" r="50000" b="180000"/>
+          </a:path>
+        </a:gradFill>
+        <a:gradFill rotWithShape="1">
+          <a:gsLst>
+            <a:gs pos="0">
+              <a:schemeClr val="phClr">
+                <a:tint val="80000"/>
+                <a:satMod val="300000"/>
+              </a:schemeClr>
+            </a:gs>
+            <a:gs pos="100000">
+              <a:schemeClr val="phClr">
+                <a:shade val="30000"/>
+                <a:satMod val="200000"/>
+              </a:schemeClr>
+            </a:gs>
+          </a:gsLst>
+          <a:path path="circle">
+            <a:fillToRect l="50000" t="50000" r="50000" b="50000"/>
+          </a:path>
+        </a:gradFill>
+      </a:bgFillStyleLst>
+    </a:fmtScheme>
+  </a:themeElements>
+  <a:objectDefaults/>
+  <a:extraClrSchemeLst/>
+</a:theme>
 </file>
--- a/PowerPoint/themes/theme8/dotted.pptx
+++ b/PowerPoint/themes/theme8/dotted.pptx
@@ -891,7 +891,9 @@
             </a:pathLst>
           </a:custGeom>
           <a:solidFill>
-            <a:srgbClr val="F68F50"/>
+            <a:schemeClr val="accent2">
+              <a:lumMod val="50000"/>
+            </a:schemeClr>
           </a:solidFill>
           <a:ln w="9524">
             <a:solidFill>
@@ -950,7 +952,7 @@
             </a:pathLst>
           </a:custGeom>
           <a:solidFill>
-            <a:srgbClr val="FFFFFF"/>
+            <a:schemeClr val="bg1"/>
           </a:solidFill>
           <a:ln w="9524">
             <a:solidFill>
@@ -3602,8 +3604,8 @@
         </p:nvSpPr>
         <p:spPr>
           <a:xfrm>
-            <a:off x="0" y="0"/>
-            <a:ext cx="9144000" cy="5143500"/>
+            <a:off x="0" y="-950"/>
+            <a:ext cx="9144000" cy="5144450"/>
           </a:xfrm>
           <a:custGeom>
             <a:avLst/>
@@ -3633,14 +3635,21 @@
           </a:custGeom>
           <a:gradFill>
             <a:gsLst>
-              <a:gs pos="44000">
-                <a:srgbClr val="2A6FAF"/>
+              <a:gs pos="72000">
+                <a:schemeClr val="accent2">
+                  <a:lumMod val="75000"/>
+                </a:schemeClr>
               </a:gs>
               <a:gs pos="100000">
-                <a:srgbClr val="1F5FA0"/>
+                <a:schemeClr val="accent2">
+                  <a:lumMod val="75000"/>
+                </a:schemeClr>
               </a:gs>
               <a:gs pos="0">
-                <a:srgbClr val="57B0ED"/>
+                <a:schemeClr val="accent2">
+                  <a:lumMod val="60000"/>
+                  <a:lumOff val="40000"/>
+                </a:schemeClr>
               </a:gs>
             </a:gsLst>
             <a:lin ang="5400000" scaled="0"/>
@@ -3695,7 +3704,9 @@
             </a:pathLst>
           </a:custGeom>
           <a:solidFill>
-            <a:srgbClr val="1F5FA0"/>
+            <a:schemeClr val="accent2">
+              <a:lumMod val="75000"/>
+            </a:schemeClr>
           </a:solidFill>
           <a:ln w="9524">
             <a:solidFill>

--- a/PowerPoint/themes/theme8/dotted.pptx
+++ b/PowerPoint/themes/theme8/dotted.pptx
@@ -15394,7 +15394,7 @@
     </a:clrScheme>
     <a:fontScheme name="Стандартная">
       <a:majorFont>
-        <a:latin typeface="Calibri"/>
+        <a:latin typeface="Arial"/>
         <a:ea typeface=""/>
         <a:cs typeface=""/>
         <a:font script="Jpan" typeface="ＭＳ Ｐゴシック"/>
@@ -15429,7 +15429,7 @@
         <a:font script="Geor" typeface="Sylfaen"/>
       </a:majorFont>
       <a:minorFont>
-        <a:latin typeface="Calibri"/>
+        <a:latin typeface="Arial"/>
         <a:ea typeface=""/>
         <a:cs typeface=""/>
         <a:font script="Jpan" typeface="ＭＳ Ｐゴシック"/>
@@ -15679,7 +15679,7 @@
     </a:clrScheme>
     <a:fontScheme name="Стандартная">
       <a:majorFont>
-        <a:latin typeface="Calibri"/>
+        <a:latin typeface="Arial"/>
         <a:ea typeface=""/>
         <a:cs typeface=""/>
         <a:font script="Jpan" typeface="ＭＳ Ｐゴシック"/>
@@ -15714,7 +15714,7 @@
         <a:font script="Geor" typeface="Sylfaen"/>
       </a:majorFont>
       <a:minorFont>
-        <a:latin typeface="Calibri"/>
+        <a:latin typeface="Arial"/>
         <a:ea typeface=""/>
         <a:cs typeface=""/>
         <a:font script="Jpan" typeface="ＭＳ Ｐゴシック"/>

--- a/PowerPoint/themes/theme8/dotted.pptx
+++ b/PowerPoint/themes/theme8/dotted.pptx
@@ -14444,910 +14444,7 @@
     </a:fmtScheme>
   </a:themeElements>
   <a:objectDefaults/>
-  <a:extraClrSchemeLst>
-    <a:extraClrScheme>
-      <a:clrScheme name="Office">
-        <a:dk1>
-          <a:sysClr val="windowText" lastClr="000000"/>
-        </a:dk1>
-        <a:lt1>
-          <a:sysClr val="window" lastClr="FFFFFF"/>
-        </a:lt1>
-        <a:dk2>
-          <a:srgbClr val="1F497D"/>
-        </a:dk2>
-        <a:lt2>
-          <a:srgbClr val="EEECE1"/>
-        </a:lt2>
-        <a:accent1>
-          <a:srgbClr val="4F81BD"/>
-        </a:accent1>
-        <a:accent2>
-          <a:srgbClr val="C0504D"/>
-        </a:accent2>
-        <a:accent3>
-          <a:srgbClr val="9BBB59"/>
-        </a:accent3>
-        <a:accent4>
-          <a:srgbClr val="8064A2"/>
-        </a:accent4>
-        <a:accent5>
-          <a:srgbClr val="4BACC6"/>
-        </a:accent5>
-        <a:accent6>
-          <a:srgbClr val="F79646"/>
-        </a:accent6>
-        <a:hlink>
-          <a:srgbClr val="0000FF"/>
-        </a:hlink>
-        <a:folHlink>
-          <a:srgbClr val="800080"/>
-        </a:folHlink>
-      </a:clrScheme>
-      <a:clrMap bg1="lt1" tx1="dk1" bg2="lt2" tx2="dk2" accent1="accent1" accent2="accent2" accent3="accent3" accent4="accent4" accent5="accent5" accent6="accent6" hlink="hlink" folHlink="folHlink"/>
-    </a:extraClrScheme>
-    <a:extraClrScheme>
-      <a:clrScheme name="Grayscale">
-        <a:dk1>
-          <a:sysClr val="windowText" lastClr="000000"/>
-        </a:dk1>
-        <a:lt1>
-          <a:sysClr val="window" lastClr="FFFFFF"/>
-        </a:lt1>
-        <a:dk2>
-          <a:srgbClr val="000000"/>
-        </a:dk2>
-        <a:lt2>
-          <a:srgbClr val="F8F8F8"/>
-        </a:lt2>
-        <a:accent1>
-          <a:srgbClr val="DDDDDD"/>
-        </a:accent1>
-        <a:accent2>
-          <a:srgbClr val="B2B2B2"/>
-        </a:accent2>
-        <a:accent3>
-          <a:srgbClr val="969696"/>
-        </a:accent3>
-        <a:accent4>
-          <a:srgbClr val="808080"/>
-        </a:accent4>
-        <a:accent5>
-          <a:srgbClr val="5F5F5F"/>
-        </a:accent5>
-        <a:accent6>
-          <a:srgbClr val="4D4D4D"/>
-        </a:accent6>
-        <a:hlink>
-          <a:srgbClr val="5F5F5F"/>
-        </a:hlink>
-        <a:folHlink>
-          <a:srgbClr val="919191"/>
-        </a:folHlink>
-      </a:clrScheme>
-      <a:clrMap bg1="lt1" tx1="dk1" bg2="lt2" tx2="dk2" accent1="accent1" accent2="accent2" accent3="accent3" accent4="accent4" accent5="accent5" accent6="accent6" hlink="hlink" folHlink="folHlink"/>
-    </a:extraClrScheme>
-    <a:extraClrScheme>
-      <a:clrScheme name="Apex">
-        <a:dk1>
-          <a:sysClr val="windowText" lastClr="000000"/>
-        </a:dk1>
-        <a:lt1>
-          <a:sysClr val="window" lastClr="FFFFFF"/>
-        </a:lt1>
-        <a:dk2>
-          <a:srgbClr val="69676D"/>
-        </a:dk2>
-        <a:lt2>
-          <a:srgbClr val="C9C2D1"/>
-        </a:lt2>
-        <a:accent1>
-          <a:srgbClr val="CEB966"/>
-        </a:accent1>
-        <a:accent2>
-          <a:srgbClr val="9CB084"/>
-        </a:accent2>
-        <a:accent3>
-          <a:srgbClr val="6BB1C9"/>
-        </a:accent3>
-        <a:accent4>
-          <a:srgbClr val="6585CF"/>
-        </a:accent4>
-        <a:accent5>
-          <a:srgbClr val="7E6BC9"/>
-        </a:accent5>
-        <a:accent6>
-          <a:srgbClr val="A379BB"/>
-        </a:accent6>
-        <a:hlink>
-          <a:srgbClr val="410082"/>
-        </a:hlink>
-        <a:folHlink>
-          <a:srgbClr val="932968"/>
-        </a:folHlink>
-      </a:clrScheme>
-      <a:clrMap bg1="lt1" tx1="dk1" bg2="lt2" tx2="dk2" accent1="accent1" accent2="accent2" accent3="accent3" accent4="accent4" accent5="accent5" accent6="accent6" hlink="hlink" folHlink="folHlink"/>
-    </a:extraClrScheme>
-    <a:extraClrScheme>
-      <a:clrScheme name="Aspect">
-        <a:dk1>
-          <a:sysClr val="windowText" lastClr="000000"/>
-        </a:dk1>
-        <a:lt1>
-          <a:sysClr val="window" lastClr="FFFFFF"/>
-        </a:lt1>
-        <a:dk2>
-          <a:srgbClr val="323232"/>
-        </a:dk2>
-        <a:lt2>
-          <a:srgbClr val="E3DED1"/>
-        </a:lt2>
-        <a:accent1>
-          <a:srgbClr val="F07F09"/>
-        </a:accent1>
-        <a:accent2>
-          <a:srgbClr val="9F2936"/>
-        </a:accent2>
-        <a:accent3>
-          <a:srgbClr val="1B587C"/>
-        </a:accent3>
-        <a:accent4>
-          <a:srgbClr val="4E8542"/>
-        </a:accent4>
-        <a:accent5>
-          <a:srgbClr val="604878"/>
-        </a:accent5>
-        <a:accent6>
-          <a:srgbClr val="C19859"/>
-        </a:accent6>
-        <a:hlink>
-          <a:srgbClr val="6B9F25"/>
-        </a:hlink>
-        <a:folHlink>
-          <a:srgbClr val="B26B02"/>
-        </a:folHlink>
-      </a:clrScheme>
-      <a:clrMap bg1="lt1" tx1="dk1" bg2="lt2" tx2="dk2" accent1="accent1" accent2="accent2" accent3="accent3" accent4="accent4" accent5="accent5" accent6="accent6" hlink="hlink" folHlink="folHlink"/>
-    </a:extraClrScheme>
-    <a:extraClrScheme>
-      <a:clrScheme name="Civic">
-        <a:dk1>
-          <a:sysClr val="windowText" lastClr="000000"/>
-        </a:dk1>
-        <a:lt1>
-          <a:sysClr val="window" lastClr="FFFFFF"/>
-        </a:lt1>
-        <a:dk2>
-          <a:srgbClr val="646B86"/>
-        </a:dk2>
-        <a:lt2>
-          <a:srgbClr val="C5D1D7"/>
-        </a:lt2>
-        <a:accent1>
-          <a:srgbClr val="D16349"/>
-        </a:accent1>
-        <a:accent2>
-          <a:srgbClr val="CCB400"/>
-        </a:accent2>
-        <a:accent3>
-          <a:srgbClr val="8CADAE"/>
-        </a:accent3>
-        <a:accent4>
-          <a:srgbClr val="8C7B70"/>
-        </a:accent4>
-        <a:accent5>
-          <a:srgbClr val="8FB08C"/>
-        </a:accent5>
-        <a:accent6>
-          <a:srgbClr val="D19049"/>
-        </a:accent6>
-        <a:hlink>
-          <a:srgbClr val="00A3D6"/>
-        </a:hlink>
-        <a:folHlink>
-          <a:srgbClr val="694F07"/>
-        </a:folHlink>
-      </a:clrScheme>
-      <a:clrMap bg1="lt1" tx1="dk1" bg2="lt2" tx2="dk2" accent1="accent1" accent2="accent2" accent3="accent3" accent4="accent4" accent5="accent5" accent6="accent6" hlink="hlink" folHlink="folHlink"/>
-    </a:extraClrScheme>
-    <a:extraClrScheme>
-      <a:clrScheme name="Concourse">
-        <a:dk1>
-          <a:sysClr val="windowText" lastClr="000000"/>
-        </a:dk1>
-        <a:lt1>
-          <a:sysClr val="window" lastClr="FFFFFF"/>
-        </a:lt1>
-        <a:dk2>
-          <a:srgbClr val="464646"/>
-        </a:dk2>
-        <a:lt2>
-          <a:srgbClr val="DEF5FA"/>
-        </a:lt2>
-        <a:accent1>
-          <a:srgbClr val="2DA2BF"/>
-        </a:accent1>
-        <a:accent2>
-          <a:srgbClr val="DA1F28"/>
-        </a:accent2>
-        <a:accent3>
-          <a:srgbClr val="EB641B"/>
-        </a:accent3>
-        <a:accent4>
-          <a:srgbClr val="39639D"/>
-        </a:accent4>
-        <a:accent5>
-          <a:srgbClr val="474B78"/>
-        </a:accent5>
-        <a:accent6>
-          <a:srgbClr val="7D3C4A"/>
-        </a:accent6>
-        <a:hlink>
-          <a:srgbClr val="FF8119"/>
-        </a:hlink>
-        <a:folHlink>
-          <a:srgbClr val="44B9E8"/>
-        </a:folHlink>
-      </a:clrScheme>
-      <a:clrMap bg1="lt1" tx1="dk1" bg2="lt2" tx2="dk2" accent1="accent1" accent2="accent2" accent3="accent3" accent4="accent4" accent5="accent5" accent6="accent6" hlink="hlink" folHlink="folHlink"/>
-    </a:extraClrScheme>
-    <a:extraClrScheme>
-      <a:clrScheme name="Equity">
-        <a:dk1>
-          <a:sysClr val="windowText" lastClr="000000"/>
-        </a:dk1>
-        <a:lt1>
-          <a:sysClr val="window" lastClr="FFFFFF"/>
-        </a:lt1>
-        <a:dk2>
-          <a:srgbClr val="696464"/>
-        </a:dk2>
-        <a:lt2>
-          <a:srgbClr val="E9E5DC"/>
-        </a:lt2>
-        <a:accent1>
-          <a:srgbClr val="D34817"/>
-        </a:accent1>
-        <a:accent2>
-          <a:srgbClr val="9B2D1F"/>
-        </a:accent2>
-        <a:accent3>
-          <a:srgbClr val="A28E6A"/>
-        </a:accent3>
-        <a:accent4>
-          <a:srgbClr val="956251"/>
-        </a:accent4>
-        <a:accent5>
-          <a:srgbClr val="918485"/>
-        </a:accent5>
-        <a:accent6>
-          <a:srgbClr val="855D5D"/>
-        </a:accent6>
-        <a:hlink>
-          <a:srgbClr val="CC9900"/>
-        </a:hlink>
-        <a:folHlink>
-          <a:srgbClr val="96A9A9"/>
-        </a:folHlink>
-      </a:clrScheme>
-      <a:clrMap bg1="lt1" tx1="dk1" bg2="lt2" tx2="dk2" accent1="accent1" accent2="accent2" accent3="accent3" accent4="accent4" accent5="accent5" accent6="accent6" hlink="hlink" folHlink="folHlink"/>
-    </a:extraClrScheme>
-    <a:extraClrScheme>
-      <a:clrScheme name="Flow">
-        <a:dk1>
-          <a:sysClr val="windowText" lastClr="000000"/>
-        </a:dk1>
-        <a:lt1>
-          <a:sysClr val="window" lastClr="FFFFFF"/>
-        </a:lt1>
-        <a:dk2>
-          <a:srgbClr val="04617B"/>
-        </a:dk2>
-        <a:lt2>
-          <a:srgbClr val="DBF5F9"/>
-        </a:lt2>
-        <a:accent1>
-          <a:srgbClr val="0F6FC6"/>
-        </a:accent1>
-        <a:accent2>
-          <a:srgbClr val="009DD9"/>
-        </a:accent2>
-        <a:accent3>
-          <a:srgbClr val="0BD0D9"/>
-        </a:accent3>
-        <a:accent4>
-          <a:srgbClr val="10CF9B"/>
-        </a:accent4>
-        <a:accent5>
-          <a:srgbClr val="7CCA62"/>
-        </a:accent5>
-        <a:accent6>
-          <a:srgbClr val="A5C249"/>
-        </a:accent6>
-        <a:hlink>
-          <a:srgbClr val="F49100"/>
-        </a:hlink>
-        <a:folHlink>
-          <a:srgbClr val="85DFD0"/>
-        </a:folHlink>
-      </a:clrScheme>
-      <a:clrMap bg1="lt1" tx1="dk1" bg2="lt2" tx2="dk2" accent1="accent1" accent2="accent2" accent3="accent3" accent4="accent4" accent5="accent5" accent6="accent6" hlink="hlink" folHlink="folHlink"/>
-    </a:extraClrScheme>
-    <a:extraClrScheme>
-      <a:clrScheme name="Foundry">
-        <a:dk1>
-          <a:sysClr val="windowText" lastClr="000000"/>
-        </a:dk1>
-        <a:lt1>
-          <a:sysClr val="window" lastClr="FFFFFF"/>
-        </a:lt1>
-        <a:dk2>
-          <a:srgbClr val="676A55"/>
-        </a:dk2>
-        <a:lt2>
-          <a:srgbClr val="EAEBDE"/>
-        </a:lt2>
-        <a:accent1>
-          <a:srgbClr val="72A376"/>
-        </a:accent1>
-        <a:accent2>
-          <a:srgbClr val="B0CCB0"/>
-        </a:accent2>
-        <a:accent3>
-          <a:srgbClr val="A8CDD7"/>
-        </a:accent3>
-        <a:accent4>
-          <a:srgbClr val="C0BEAF"/>
-        </a:accent4>
-        <a:accent5>
-          <a:srgbClr val="CEC597"/>
-        </a:accent5>
-        <a:accent6>
-          <a:srgbClr val="E8B7B7"/>
-        </a:accent6>
-        <a:hlink>
-          <a:srgbClr val="DB5353"/>
-        </a:hlink>
-        <a:folHlink>
-          <a:srgbClr val="903638"/>
-        </a:folHlink>
-      </a:clrScheme>
-      <a:clrMap bg1="lt1" tx1="dk1" bg2="lt2" tx2="dk2" accent1="accent1" accent2="accent2" accent3="accent3" accent4="accent4" accent5="accent5" accent6="accent6" hlink="hlink" folHlink="folHlink"/>
-    </a:extraClrScheme>
-    <a:extraClrScheme>
-      <a:clrScheme name="Median">
-        <a:dk1>
-          <a:sysClr val="windowText" lastClr="000000"/>
-        </a:dk1>
-        <a:lt1>
-          <a:sysClr val="window" lastClr="FFFFFF"/>
-        </a:lt1>
-        <a:dk2>
-          <a:srgbClr val="775F55"/>
-        </a:dk2>
-        <a:lt2>
-          <a:srgbClr val="EBDDC3"/>
-        </a:lt2>
-        <a:accent1>
-          <a:srgbClr val="94B6D2"/>
-        </a:accent1>
-        <a:accent2>
-          <a:srgbClr val="DD8047"/>
-        </a:accent2>
-        <a:accent3>
-          <a:srgbClr val="A5AB81"/>
-        </a:accent3>
-        <a:accent4>
-          <a:srgbClr val="D8B25C"/>
-        </a:accent4>
-        <a:accent5>
-          <a:srgbClr val="7BA79D"/>
-        </a:accent5>
-        <a:accent6>
-          <a:srgbClr val="968C8C"/>
-        </a:accent6>
-        <a:hlink>
-          <a:srgbClr val="F7B615"/>
-        </a:hlink>
-        <a:folHlink>
-          <a:srgbClr val="704404"/>
-        </a:folHlink>
-      </a:clrScheme>
-      <a:clrMap bg1="lt1" tx1="dk1" bg2="lt2" tx2="dk2" accent1="accent1" accent2="accent2" accent3="accent3" accent4="accent4" accent5="accent5" accent6="accent6" hlink="hlink" folHlink="folHlink"/>
-    </a:extraClrScheme>
-    <a:extraClrScheme>
-      <a:clrScheme name="Metro">
-        <a:dk1>
-          <a:sysClr val="windowText" lastClr="000000"/>
-        </a:dk1>
-        <a:lt1>
-          <a:sysClr val="window" lastClr="FFFFFF"/>
-        </a:lt1>
-        <a:dk2>
-          <a:srgbClr val="4E5B6F"/>
-        </a:dk2>
-        <a:lt2>
-          <a:srgbClr val="D6ECFF"/>
-        </a:lt2>
-        <a:accent1>
-          <a:srgbClr val="7FD13B"/>
-        </a:accent1>
-        <a:accent2>
-          <a:srgbClr val="EA157A"/>
-        </a:accent2>
-        <a:accent3>
-          <a:srgbClr val="FEB80A"/>
-        </a:accent3>
-        <a:accent4>
-          <a:srgbClr val="00ADDC"/>
-        </a:accent4>
-        <a:accent5>
-          <a:srgbClr val="738AC8"/>
-        </a:accent5>
-        <a:accent6>
-          <a:srgbClr val="1AB39F"/>
-        </a:accent6>
-        <a:hlink>
-          <a:srgbClr val="EB8803"/>
-        </a:hlink>
-        <a:folHlink>
-          <a:srgbClr val="5F7791"/>
-        </a:folHlink>
-      </a:clrScheme>
-      <a:clrMap bg1="lt1" tx1="dk1" bg2="lt2" tx2="dk2" accent1="accent1" accent2="accent2" accent3="accent3" accent4="accent4" accent5="accent5" accent6="accent6" hlink="hlink" folHlink="folHlink"/>
-    </a:extraClrScheme>
-    <a:extraClrScheme>
-      <a:clrScheme name="Module">
-        <a:dk1>
-          <a:sysClr val="windowText" lastClr="000000"/>
-        </a:dk1>
-        <a:lt1>
-          <a:sysClr val="window" lastClr="FFFFFF"/>
-        </a:lt1>
-        <a:dk2>
-          <a:srgbClr val="5A6378"/>
-        </a:dk2>
-        <a:lt2>
-          <a:srgbClr val="D4D4D6"/>
-        </a:lt2>
-        <a:accent1>
-          <a:srgbClr val="F0AD00"/>
-        </a:accent1>
-        <a:accent2>
-          <a:srgbClr val="60B5CC"/>
-        </a:accent2>
-        <a:accent3>
-          <a:srgbClr val="E66C7D"/>
-        </a:accent3>
-        <a:accent4>
-          <a:srgbClr val="6BB76D"/>
-        </a:accent4>
-        <a:accent5>
-          <a:srgbClr val="E88651"/>
-        </a:accent5>
-        <a:accent6>
-          <a:srgbClr val="C64847"/>
-        </a:accent6>
-        <a:hlink>
-          <a:srgbClr val="168BBA"/>
-        </a:hlink>
-        <a:folHlink>
-          <a:srgbClr val="680000"/>
-        </a:folHlink>
-      </a:clrScheme>
-      <a:clrMap bg1="lt1" tx1="dk1" bg2="lt2" tx2="dk2" accent1="accent1" accent2="accent2" accent3="accent3" accent4="accent4" accent5="accent5" accent6="accent6" hlink="hlink" folHlink="folHlink"/>
-    </a:extraClrScheme>
-    <a:extraClrScheme>
-      <a:clrScheme name="Opulent">
-        <a:dk1>
-          <a:sysClr val="windowText" lastClr="000000"/>
-        </a:dk1>
-        <a:lt1>
-          <a:sysClr val="window" lastClr="FFFFFF"/>
-        </a:lt1>
-        <a:dk2>
-          <a:srgbClr val="B13F9A"/>
-        </a:dk2>
-        <a:lt2>
-          <a:srgbClr val="F4E7ED"/>
-        </a:lt2>
-        <a:accent1>
-          <a:srgbClr val="B83D68"/>
-        </a:accent1>
-        <a:accent2>
-          <a:srgbClr val="AC66BB"/>
-        </a:accent2>
-        <a:accent3>
-          <a:srgbClr val="DE6C36"/>
-        </a:accent3>
-        <a:accent4>
-          <a:srgbClr val="F9B639"/>
-        </a:accent4>
-        <a:accent5>
-          <a:srgbClr val="CF6DA4"/>
-        </a:accent5>
-        <a:accent6>
-          <a:srgbClr val="FA8D3D"/>
-        </a:accent6>
-        <a:hlink>
-          <a:srgbClr val="FFDE66"/>
-        </a:hlink>
-        <a:folHlink>
-          <a:srgbClr val="D490C5"/>
-        </a:folHlink>
-      </a:clrScheme>
-      <a:clrMap bg1="lt1" tx1="dk1" bg2="lt2" tx2="dk2" accent1="accent1" accent2="accent2" accent3="accent3" accent4="accent4" accent5="accent5" accent6="accent6" hlink="hlink" folHlink="folHlink"/>
-    </a:extraClrScheme>
-    <a:extraClrScheme>
-      <a:clrScheme name="Oriel">
-        <a:dk1>
-          <a:sysClr val="windowText" lastClr="000000"/>
-        </a:dk1>
-        <a:lt1>
-          <a:sysClr val="window" lastClr="FFFFFF"/>
-        </a:lt1>
-        <a:dk2>
-          <a:srgbClr val="575F6D"/>
-        </a:dk2>
-        <a:lt2>
-          <a:srgbClr val="FFF39D"/>
-        </a:lt2>
-        <a:accent1>
-          <a:srgbClr val="FE8637"/>
-        </a:accent1>
-        <a:accent2>
-          <a:srgbClr val="7598D9"/>
-        </a:accent2>
-        <a:accent3>
-          <a:srgbClr val="B32C16"/>
-        </a:accent3>
-        <a:accent4>
-          <a:srgbClr val="F5CD2D"/>
-        </a:accent4>
-        <a:accent5>
-          <a:srgbClr val="AEBAD5"/>
-        </a:accent5>
-        <a:accent6>
-          <a:srgbClr val="777C84"/>
-        </a:accent6>
-        <a:hlink>
-          <a:srgbClr val="D2611C"/>
-        </a:hlink>
-        <a:folHlink>
-          <a:srgbClr val="3B435B"/>
-        </a:folHlink>
-      </a:clrScheme>
-      <a:clrMap bg1="lt1" tx1="dk1" bg2="lt2" tx2="dk2" accent1="accent1" accent2="accent2" accent3="accent3" accent4="accent4" accent5="accent5" accent6="accent6" hlink="hlink" folHlink="folHlink"/>
-    </a:extraClrScheme>
-    <a:extraClrScheme>
-      <a:clrScheme name="Origin">
-        <a:dk1>
-          <a:sysClr val="windowText" lastClr="000000"/>
-        </a:dk1>
-        <a:lt1>
-          <a:sysClr val="window" lastClr="FFFFFF"/>
-        </a:lt1>
-        <a:dk2>
-          <a:srgbClr val="464653"/>
-        </a:dk2>
-        <a:lt2>
-          <a:srgbClr val="DDE9EC"/>
-        </a:lt2>
-        <a:accent1>
-          <a:srgbClr val="727CA3"/>
-        </a:accent1>
-        <a:accent2>
-          <a:srgbClr val="9FB8CD"/>
-        </a:accent2>
-        <a:accent3>
-          <a:srgbClr val="D2DA7A"/>
-        </a:accent3>
-        <a:accent4>
-          <a:srgbClr val="FADA7A"/>
-        </a:accent4>
-        <a:accent5>
-          <a:srgbClr val="B88472"/>
-        </a:accent5>
-        <a:accent6>
-          <a:srgbClr val="8E736A"/>
-        </a:accent6>
-        <a:hlink>
-          <a:srgbClr val="B292CA"/>
-        </a:hlink>
-        <a:folHlink>
-          <a:srgbClr val="6B5680"/>
-        </a:folHlink>
-      </a:clrScheme>
-      <a:clrMap bg1="lt1" tx1="dk1" bg2="lt2" tx2="dk2" accent1="accent1" accent2="accent2" accent3="accent3" accent4="accent4" accent5="accent5" accent6="accent6" hlink="hlink" folHlink="folHlink"/>
-    </a:extraClrScheme>
-    <a:extraClrScheme>
-      <a:clrScheme name="Paper">
-        <a:dk1>
-          <a:sysClr val="windowText" lastClr="000000"/>
-        </a:dk1>
-        <a:lt1>
-          <a:sysClr val="window" lastClr="FFFFFF"/>
-        </a:lt1>
-        <a:dk2>
-          <a:srgbClr val="444D26"/>
-        </a:dk2>
-        <a:lt2>
-          <a:srgbClr val="FEFAC9"/>
-        </a:lt2>
-        <a:accent1>
-          <a:srgbClr val="A5B592"/>
-        </a:accent1>
-        <a:accent2>
-          <a:srgbClr val="F3A447"/>
-        </a:accent2>
-        <a:accent3>
-          <a:srgbClr val="E7BC29"/>
-        </a:accent3>
-        <a:accent4>
-          <a:srgbClr val="D092A7"/>
-        </a:accent4>
-        <a:accent5>
-          <a:srgbClr val="9C85C0"/>
-        </a:accent5>
-        <a:accent6>
-          <a:srgbClr val="809EC2"/>
-        </a:accent6>
-        <a:hlink>
-          <a:srgbClr val="8E58B6"/>
-        </a:hlink>
-        <a:folHlink>
-          <a:srgbClr val="7F6F6F"/>
-        </a:folHlink>
-      </a:clrScheme>
-      <a:clrMap bg1="lt1" tx1="dk1" bg2="lt2" tx2="dk2" accent1="accent1" accent2="accent2" accent3="accent3" accent4="accent4" accent5="accent5" accent6="accent6" hlink="hlink" folHlink="folHlink"/>
-    </a:extraClrScheme>
-    <a:extraClrScheme>
-      <a:clrScheme name="Solstice">
-        <a:dk1>
-          <a:sysClr val="windowText" lastClr="000000"/>
-        </a:dk1>
-        <a:lt1>
-          <a:sysClr val="window" lastClr="FFFFFF"/>
-        </a:lt1>
-        <a:dk2>
-          <a:srgbClr val="4F271C"/>
-        </a:dk2>
-        <a:lt2>
-          <a:srgbClr val="E7DEC9"/>
-        </a:lt2>
-        <a:accent1>
-          <a:srgbClr val="3891A7"/>
-        </a:accent1>
-        <a:accent2>
-          <a:srgbClr val="FEB80A"/>
-        </a:accent2>
-        <a:accent3>
-          <a:srgbClr val="C32D2E"/>
-        </a:accent3>
-        <a:accent4>
-          <a:srgbClr val="84AA33"/>
-        </a:accent4>
-        <a:accent5>
-          <a:srgbClr val="964305"/>
-        </a:accent5>
-        <a:accent6>
-          <a:srgbClr val="475A8D"/>
-        </a:accent6>
-        <a:hlink>
-          <a:srgbClr val="8DC765"/>
-        </a:hlink>
-        <a:folHlink>
-          <a:srgbClr val="AA8A14"/>
-        </a:folHlink>
-      </a:clrScheme>
-      <a:clrMap bg1="lt1" tx1="dk1" bg2="lt2" tx2="dk2" accent1="accent1" accent2="accent2" accent3="accent3" accent4="accent4" accent5="accent5" accent6="accent6" hlink="hlink" folHlink="folHlink"/>
-    </a:extraClrScheme>
-    <a:extraClrScheme>
-      <a:clrScheme name="Technic">
-        <a:dk1>
-          <a:sysClr val="windowText" lastClr="000000"/>
-        </a:dk1>
-        <a:lt1>
-          <a:sysClr val="window" lastClr="FFFFFF"/>
-        </a:lt1>
-        <a:dk2>
-          <a:srgbClr val="3B3B3B"/>
-        </a:dk2>
-        <a:lt2>
-          <a:srgbClr val="D4D2D0"/>
-        </a:lt2>
-        <a:accent1>
-          <a:srgbClr val="6EA0B0"/>
-        </a:accent1>
-        <a:accent2>
-          <a:srgbClr val="CCAF0A"/>
-        </a:accent2>
-        <a:accent3>
-          <a:srgbClr val="8D89A4"/>
-        </a:accent3>
-        <a:accent4>
-          <a:srgbClr val="748560"/>
-        </a:accent4>
-        <a:accent5>
-          <a:srgbClr val="9E9273"/>
-        </a:accent5>
-        <a:accent6>
-          <a:srgbClr val="7E848D"/>
-        </a:accent6>
-        <a:hlink>
-          <a:srgbClr val="00C8C3"/>
-        </a:hlink>
-        <a:folHlink>
-          <a:srgbClr val="A116E0"/>
-        </a:folHlink>
-      </a:clrScheme>
-      <a:clrMap bg1="lt1" tx1="dk1" bg2="lt2" tx2="dk2" accent1="accent1" accent2="accent2" accent3="accent3" accent4="accent4" accent5="accent5" accent6="accent6" hlink="hlink" folHlink="folHlink"/>
-    </a:extraClrScheme>
-    <a:extraClrScheme>
-      <a:clrScheme name="Trek">
-        <a:dk1>
-          <a:sysClr val="windowText" lastClr="000000"/>
-        </a:dk1>
-        <a:lt1>
-          <a:sysClr val="window" lastClr="FFFFFF"/>
-        </a:lt1>
-        <a:dk2>
-          <a:srgbClr val="4E3B30"/>
-        </a:dk2>
-        <a:lt2>
-          <a:srgbClr val="FBEEC9"/>
-        </a:lt2>
-        <a:accent1>
-          <a:srgbClr val="F0A22E"/>
-        </a:accent1>
-        <a:accent2>
-          <a:srgbClr val="A5644E"/>
-        </a:accent2>
-        <a:accent3>
-          <a:srgbClr val="B58B80"/>
-        </a:accent3>
-        <a:accent4>
-          <a:srgbClr val="C3986D"/>
-        </a:accent4>
-        <a:accent5>
-          <a:srgbClr val="A19574"/>
-        </a:accent5>
-        <a:accent6>
-          <a:srgbClr val="C17529"/>
-        </a:accent6>
-        <a:hlink>
-          <a:srgbClr val="AD1F1F"/>
-        </a:hlink>
-        <a:folHlink>
-          <a:srgbClr val="FFC42F"/>
-        </a:folHlink>
-      </a:clrScheme>
-      <a:clrMap bg1="lt1" tx1="dk1" bg2="lt2" tx2="dk2" accent1="accent1" accent2="accent2" accent3="accent3" accent4="accent4" accent5="accent5" accent6="accent6" hlink="hlink" folHlink="folHlink"/>
-    </a:extraClrScheme>
-    <a:extraClrScheme>
-      <a:clrScheme name="Urban">
-        <a:dk1>
-          <a:sysClr val="windowText" lastClr="000000"/>
-        </a:dk1>
-        <a:lt1>
-          <a:sysClr val="window" lastClr="FFFFFF"/>
-        </a:lt1>
-        <a:dk2>
-          <a:srgbClr val="424456"/>
-        </a:dk2>
-        <a:lt2>
-          <a:srgbClr val="DEDEDE"/>
-        </a:lt2>
-        <a:accent1>
-          <a:srgbClr val="53548A"/>
-        </a:accent1>
-        <a:accent2>
-          <a:srgbClr val="438086"/>
-        </a:accent2>
-        <a:accent3>
-          <a:srgbClr val="A04DA3"/>
-        </a:accent3>
-        <a:accent4>
-          <a:srgbClr val="C4652D"/>
-        </a:accent4>
-        <a:accent5>
-          <a:srgbClr val="8B5D3D"/>
-        </a:accent5>
-        <a:accent6>
-          <a:srgbClr val="5C92B5"/>
-        </a:accent6>
-        <a:hlink>
-          <a:srgbClr val="67AFBD"/>
-        </a:hlink>
-        <a:folHlink>
-          <a:srgbClr val="C2A874"/>
-        </a:folHlink>
-      </a:clrScheme>
-      <a:clrMap bg1="lt1" tx1="dk1" bg2="lt2" tx2="dk2" accent1="accent1" accent2="accent2" accent3="accent3" accent4="accent4" accent5="accent5" accent6="accent6" hlink="hlink" folHlink="folHlink"/>
-    </a:extraClrScheme>
-    <a:extraClrScheme>
-      <a:clrScheme name="Verve">
-        <a:dk1>
-          <a:sysClr val="windowText" lastClr="000000"/>
-        </a:dk1>
-        <a:lt1>
-          <a:sysClr val="window" lastClr="FFFFFF"/>
-        </a:lt1>
-        <a:dk2>
-          <a:srgbClr val="666666"/>
-        </a:dk2>
-        <a:lt2>
-          <a:srgbClr val="D2D2D2"/>
-        </a:lt2>
-        <a:accent1>
-          <a:srgbClr val="FF388C"/>
-        </a:accent1>
-        <a:accent2>
-          <a:srgbClr val="E40059"/>
-        </a:accent2>
-        <a:accent3>
-          <a:srgbClr val="9C007F"/>
-        </a:accent3>
-        <a:accent4>
-          <a:srgbClr val="68007F"/>
-        </a:accent4>
-        <a:accent5>
-          <a:srgbClr val="005BD3"/>
-        </a:accent5>
-        <a:accent6>
-          <a:srgbClr val="00349E"/>
-        </a:accent6>
-        <a:hlink>
-          <a:srgbClr val="17BBFD"/>
-        </a:hlink>
-        <a:folHlink>
-          <a:srgbClr val="FF79C2"/>
-        </a:folHlink>
-      </a:clrScheme>
-      <a:clrMap bg1="lt1" tx1="dk1" bg2="lt2" tx2="dk2" accent1="accent1" accent2="accent2" accent3="accent3" accent4="accent4" accent5="accent5" accent6="accent6" hlink="hlink" folHlink="folHlink"/>
-    </a:extraClrScheme>
-    <a:extraClrScheme>
-      <a:clrScheme name="Custom">
-        <a:dk1>
-          <a:srgbClr val="0F243E"/>
-        </a:dk1>
-        <a:lt1>
-          <a:sysClr val="window" lastClr="FFFFFF"/>
-        </a:lt1>
-        <a:dk2>
-          <a:srgbClr val="1F497D"/>
-        </a:dk2>
-        <a:lt2>
-          <a:srgbClr val="EEECE1"/>
-        </a:lt2>
-        <a:accent1>
-          <a:srgbClr val="0000FF"/>
-        </a:accent1>
-        <a:accent2>
-          <a:srgbClr val="FE19FF"/>
-        </a:accent2>
-        <a:accent3>
-          <a:srgbClr val="00B050"/>
-        </a:accent3>
-        <a:accent4>
-          <a:srgbClr val="FF0000"/>
-        </a:accent4>
-        <a:accent5>
-          <a:srgbClr val="4BACC6"/>
-        </a:accent5>
-        <a:accent6>
-          <a:srgbClr val="FFFF00"/>
-        </a:accent6>
-        <a:hlink>
-          <a:srgbClr val="548DD4"/>
-        </a:hlink>
-        <a:folHlink>
-          <a:srgbClr val="FE19FF"/>
-        </a:folHlink>
-      </a:clrScheme>
-      <a:clrMap bg1="lt1" tx1="dk1" bg2="lt2" tx2="dk2" accent1="accent1" accent2="accent2" accent3="accent3" accent4="accent4" accent5="accent5" accent6="accent6" hlink="hlink" folHlink="folHlink"/>
-    </a:extraClrScheme>
-  </a:extraClrSchemeLst>
+  <a:extraClrSchemeLst/>
 </a:theme>
 </file>
 

--- a/PowerPoint/themes/theme8/dotted.pptx
+++ b/PowerPoint/themes/theme8/dotted.pptx
@@ -719,7 +719,7 @@
 
 <file path=ppt/slideLayouts/slideLayout1.xml><?xml version="1.0" encoding="utf-8"?>
 <p:sldLayout xmlns:a="http://schemas.openxmlformats.org/drawingml/2006/main" xmlns:r="http://schemas.openxmlformats.org/officeDocument/2006/relationships" xmlns:p="http://schemas.openxmlformats.org/presentationml/2006/main" type="title" preserve="1" userDrawn="1">
-  <p:cSld name="Титульный слайд">
+  <p:cSld name="Title Slide">
     <p:spTree>
       <p:nvGrpSpPr>
         <p:cNvPr id="1" name=""/>
@@ -1087,7 +1087,7 @@
 
 <file path=ppt/slideLayouts/slideLayout10.xml><?xml version="1.0" encoding="utf-8"?>
 <p:sldLayout xmlns:a="http://schemas.openxmlformats.org/drawingml/2006/main" xmlns:r="http://schemas.openxmlformats.org/officeDocument/2006/relationships" xmlns:p="http://schemas.openxmlformats.org/presentationml/2006/main" type="vertTx" preserve="1">
-  <p:cSld name="Заголовок и вертикальный текст">
+  <p:cSld name="Title and Vertical Text">
     <p:spTree>
       <p:nvGrpSpPr>
         <p:cNvPr id="1" name=""/>
@@ -1301,7 +1301,7 @@
 
 <file path=ppt/slideLayouts/slideLayout11.xml><?xml version="1.0" encoding="utf-8"?>
 <p:sldLayout xmlns:a="http://schemas.openxmlformats.org/drawingml/2006/main" xmlns:r="http://schemas.openxmlformats.org/officeDocument/2006/relationships" xmlns:p="http://schemas.openxmlformats.org/presentationml/2006/main" type="vertTitleAndTx" preserve="1">
-  <p:cSld name="Вертикальный заголовок и текст">
+  <p:cSld name="Vertical Title and Text">
     <p:spTree>
       <p:nvGrpSpPr>
         <p:cNvPr id="1" name=""/>
@@ -1525,7 +1525,7 @@
 
 <file path=ppt/slideLayouts/slideLayout2.xml><?xml version="1.0" encoding="utf-8"?>
 <p:sldLayout xmlns:a="http://schemas.openxmlformats.org/drawingml/2006/main" xmlns:r="http://schemas.openxmlformats.org/officeDocument/2006/relationships" xmlns:p="http://schemas.openxmlformats.org/presentationml/2006/main" type="obj" preserve="1" userDrawn="1">
-  <p:cSld name="Заголовок и объект">
+  <p:cSld name="Title and Content">
     <p:spTree>
       <p:nvGrpSpPr>
         <p:cNvPr id="1" name=""/>
@@ -1731,7 +1731,7 @@
 
 <file path=ppt/slideLayouts/slideLayout3.xml><?xml version="1.0" encoding="utf-8"?>
 <p:sldLayout xmlns:a="http://schemas.openxmlformats.org/drawingml/2006/main" xmlns:r="http://schemas.openxmlformats.org/officeDocument/2006/relationships" xmlns:p="http://schemas.openxmlformats.org/presentationml/2006/main" type="secHead" preserve="1">
-  <p:cSld name="Заголовок раздела">
+  <p:cSld name="Section Header">
     <p:spTree>
       <p:nvGrpSpPr>
         <p:cNvPr id="1" name=""/>
@@ -1979,7 +1979,7 @@
 
 <file path=ppt/slideLayouts/slideLayout4.xml><?xml version="1.0" encoding="utf-8"?>
 <p:sldLayout xmlns:a="http://schemas.openxmlformats.org/drawingml/2006/main" xmlns:r="http://schemas.openxmlformats.org/officeDocument/2006/relationships" xmlns:p="http://schemas.openxmlformats.org/presentationml/2006/main" type="twoObj" preserve="1" userDrawn="1">
-  <p:cSld name="Два объекта">
+  <p:cSld name="Two Content">
     <p:spTree>
       <p:nvGrpSpPr>
         <p:cNvPr id="1" name=""/>
@@ -2307,7 +2307,7 @@
 
 <file path=ppt/slideLayouts/slideLayout5.xml><?xml version="1.0" encoding="utf-8"?>
 <p:sldLayout xmlns:a="http://schemas.openxmlformats.org/drawingml/2006/main" xmlns:r="http://schemas.openxmlformats.org/officeDocument/2006/relationships" xmlns:p="http://schemas.openxmlformats.org/presentationml/2006/main" type="twoTxTwoObj" preserve="1">
-  <p:cSld name="Сравнение">
+  <p:cSld name="Comparison">
     <p:spTree>
       <p:nvGrpSpPr>
         <p:cNvPr id="1" name=""/>
@@ -2781,7 +2781,7 @@
 
 <file path=ppt/slideLayouts/slideLayout6.xml><?xml version="1.0" encoding="utf-8"?>
 <p:sldLayout xmlns:a="http://schemas.openxmlformats.org/drawingml/2006/main" xmlns:r="http://schemas.openxmlformats.org/officeDocument/2006/relationships" xmlns:p="http://schemas.openxmlformats.org/presentationml/2006/main" type="titleOnly" preserve="1">
-  <p:cSld name="Только заголовок">
+  <p:cSld name="Title Only">
     <p:spTree>
       <p:nvGrpSpPr>
         <p:cNvPr id="1" name=""/>
@@ -2907,7 +2907,7 @@
 
 <file path=ppt/slideLayouts/slideLayout7.xml><?xml version="1.0" encoding="utf-8"?>
 <p:sldLayout xmlns:a="http://schemas.openxmlformats.org/drawingml/2006/main" xmlns:r="http://schemas.openxmlformats.org/officeDocument/2006/relationships" xmlns:p="http://schemas.openxmlformats.org/presentationml/2006/main" type="blank" preserve="1">
-  <p:cSld name="Пустой слайд">
+  <p:cSld name="Blank">
     <p:spTree>
       <p:nvGrpSpPr>
         <p:cNvPr id="1" name=""/>
@@ -3002,7 +3002,7 @@
 
 <file path=ppt/slideLayouts/slideLayout8.xml><?xml version="1.0" encoding="utf-8"?>
 <p:sldLayout xmlns:a="http://schemas.openxmlformats.org/drawingml/2006/main" xmlns:r="http://schemas.openxmlformats.org/officeDocument/2006/relationships" xmlns:p="http://schemas.openxmlformats.org/presentationml/2006/main" type="objTx" preserve="1">
-  <p:cSld name="Объект с подписью">
+  <p:cSld name="Content with Caption">
     <p:spTree>
       <p:nvGrpSpPr>
         <p:cNvPr id="1" name=""/>
@@ -3309,7 +3309,7 @@
 
 <file path=ppt/slideLayouts/slideLayout9.xml><?xml version="1.0" encoding="utf-8"?>
 <p:sldLayout xmlns:a="http://schemas.openxmlformats.org/drawingml/2006/main" xmlns:r="http://schemas.openxmlformats.org/officeDocument/2006/relationships" xmlns:p="http://schemas.openxmlformats.org/presentationml/2006/main" type="picTx" preserve="1">
-  <p:cSld name="Рисунок с подписью">
+  <p:cSld name="Picture with Caption">
     <p:spTree>
       <p:nvGrpSpPr>
         <p:cNvPr id="1" name=""/>
